--- a/Prezentatsia.pptx
+++ b/Prezentatsia.pptx
@@ -3988,7 +3988,7 @@
             <a:pPr algn="ctr"/>
             <a:r>
               <a:rPr lang="ru-RU" sz="2200" b="1" dirty="0"/>
-              <a:t>Тема: Разработка программного модуля настройки конфигурации сетевых сервисов</a:t>
+              <a:t>Тема: разработка программного модуля настройки конфигурации сетевых сервисов</a:t>
             </a:r>
             <a:br>
               <a:rPr lang="ru-RU" sz="2200" b="1" dirty="0"/>
@@ -4056,7 +4056,7 @@
             </a:r>
             <a:r>
               <a:rPr lang="ru-RU" sz="2000" dirty="0"/>
-              <a:t> ст. гр. ПИН-41   Федотов Алексей Александрович</a:t>
+              <a:t> ст. гр. ПИН-41 Федотов Алексей Александрович</a:t>
             </a:r>
           </a:p>
         </p:txBody>
@@ -4093,19 +4093,11 @@
           <a:p>
             <a:r>
               <a:rPr lang="ru-RU" sz="2000" b="1" dirty="0"/>
-              <a:t>Цель:</a:t>
+              <a:t>Цель: </a:t>
             </a:r>
             <a:r>
               <a:rPr lang="ru-RU" sz="2000" dirty="0"/>
-              <a:t> повышение эффективности </a:t>
-            </a:r>
-            <a:r>
-              <a:rPr lang="en-US" sz="2000" dirty="0"/>
-              <a:t> </a:t>
-            </a:r>
-            <a:r>
-              <a:rPr lang="ru-RU" sz="2000" dirty="0"/>
-              <a:t>(быстродействия и пр.)………………</a:t>
+              <a:t>упростить настройку конфигурации сетевых сервисов</a:t>
             </a:r>
           </a:p>
           <a:p>
@@ -4213,6 +4205,11 @@
 <file path=ppt/slides/slide2.xml><?xml version="1.0" encoding="utf-8"?>
 <p:sld xmlns:a="http://schemas.openxmlformats.org/drawingml/2006/main" xmlns:r="http://schemas.openxmlformats.org/officeDocument/2006/relationships" xmlns:p="http://schemas.openxmlformats.org/presentationml/2006/main">
   <p:cSld>
+    <p:bg>
+      <p:bgRef idx="1001">
+        <a:schemeClr val="bg1"/>
+      </p:bgRef>
+    </p:bg>
     <p:spTree>
       <p:nvGrpSpPr>
         <p:cNvPr id="1" name=""/>
@@ -5130,10 +5127,374 @@
           </a:p>
         </p:txBody>
       </p:sp>
+      <p:graphicFrame>
+        <p:nvGraphicFramePr>
+          <p:cNvPr id="2" name="Таблица 1">
+            <a:extLst>
+              <a:ext uri="{FF2B5EF4-FFF2-40B4-BE49-F238E27FC236}">
+                <a16:creationId xmlns:a16="http://schemas.microsoft.com/office/drawing/2014/main" id="{858A3CE6-801B-4A2C-BA0F-44017FF8E312}"/>
+              </a:ext>
+            </a:extLst>
+          </p:cNvPr>
+          <p:cNvGraphicFramePr>
+            <a:graphicFrameLocks noGrp="1"/>
+          </p:cNvGraphicFramePr>
+          <p:nvPr>
+            <p:extLst>
+              <p:ext uri="{D42A27DB-BD31-4B8C-83A1-F6EECF244321}">
+                <p14:modId xmlns:p14="http://schemas.microsoft.com/office/powerpoint/2010/main" val="1640062233"/>
+              </p:ext>
+            </p:extLst>
+          </p:nvPr>
+        </p:nvGraphicFramePr>
+        <p:xfrm>
+          <a:off x="827585" y="1404417"/>
+          <a:ext cx="7776863" cy="2168599"/>
+        </p:xfrm>
+        <a:graphic>
+          <a:graphicData uri="http://schemas.openxmlformats.org/drawingml/2006/table">
+            <a:tbl>
+              <a:tblPr firstRow="1" firstCol="1" bandRow="1">
+                <a:tableStyleId>{5C22544A-7EE6-4342-B048-85BDC9FD1C3A}</a:tableStyleId>
+              </a:tblPr>
+              <a:tblGrid>
+                <a:gridCol w="3456383">
+                  <a:extLst>
+                    <a:ext uri="{9D8B030D-6E8A-4147-A177-3AD203B41FA5}">
+                      <a16:colId xmlns:a16="http://schemas.microsoft.com/office/drawing/2014/main" val="2302919081"/>
+                    </a:ext>
+                  </a:extLst>
+                </a:gridCol>
+                <a:gridCol w="4320480">
+                  <a:extLst>
+                    <a:ext uri="{9D8B030D-6E8A-4147-A177-3AD203B41FA5}">
+                      <a16:colId xmlns:a16="http://schemas.microsoft.com/office/drawing/2014/main" val="685093309"/>
+                    </a:ext>
+                  </a:extLst>
+                </a:gridCol>
+              </a:tblGrid>
+              <a:tr h="411907">
+                <a:tc>
+                  <a:txBody>
+                    <a:bodyPr/>
+                    <a:lstStyle/>
+                    <a:p>
+                      <a:pPr algn="just">
+                        <a:lnSpc>
+                          <a:spcPct val="115000"/>
+                        </a:lnSpc>
+                        <a:spcAft>
+                          <a:spcPts val="600"/>
+                        </a:spcAft>
+                      </a:pPr>
+                      <a:r>
+                        <a:rPr lang="ru-RU" sz="1700" dirty="0">
+                          <a:solidFill>
+                            <a:schemeClr val="tx1"/>
+                          </a:solidFill>
+                          <a:effectLst/>
+                        </a:rPr>
+                        <a:t>До разработки ПМ</a:t>
+                      </a:r>
+                      <a:endParaRPr lang="ru-RU" sz="1400" dirty="0">
+                        <a:solidFill>
+                          <a:schemeClr val="tx1"/>
+                        </a:solidFill>
+                        <a:effectLst/>
+                        <a:latin typeface="Arial" panose="020B0604020202020204" pitchFamily="34" charset="0"/>
+                        <a:ea typeface="Arial" panose="020B0604020202020204" pitchFamily="34" charset="0"/>
+                        <a:cs typeface="Times New Roman" panose="02020603050405020304" pitchFamily="18" charset="0"/>
+                      </a:endParaRPr>
+                    </a:p>
+                  </a:txBody>
+                  <a:tcPr marL="68580" marR="68580" marT="0" marB="0">
+                    <a:lnL w="12700" cap="flat" cmpd="sng" algn="ctr">
+                      <a:solidFill>
+                        <a:schemeClr val="tx1"/>
+                      </a:solidFill>
+                      <a:prstDash val="solid"/>
+                      <a:round/>
+                      <a:headEnd type="none" w="med" len="med"/>
+                      <a:tailEnd type="none" w="med" len="med"/>
+                    </a:lnL>
+                    <a:lnR w="12700" cap="flat" cmpd="sng" algn="ctr">
+                      <a:solidFill>
+                        <a:schemeClr val="tx1"/>
+                      </a:solidFill>
+                      <a:prstDash val="solid"/>
+                      <a:round/>
+                      <a:headEnd type="none" w="med" len="med"/>
+                      <a:tailEnd type="none" w="med" len="med"/>
+                    </a:lnR>
+                    <a:lnT w="12700" cap="flat" cmpd="sng" algn="ctr">
+                      <a:solidFill>
+                        <a:schemeClr val="tx1"/>
+                      </a:solidFill>
+                      <a:prstDash val="solid"/>
+                      <a:round/>
+                      <a:headEnd type="none" w="med" len="med"/>
+                      <a:tailEnd type="none" w="med" len="med"/>
+                    </a:lnT>
+                    <a:lnB w="12700" cap="flat" cmpd="sng" algn="ctr">
+                      <a:solidFill>
+                        <a:schemeClr val="tx1"/>
+                      </a:solidFill>
+                      <a:prstDash val="solid"/>
+                      <a:round/>
+                      <a:headEnd type="none" w="med" len="med"/>
+                      <a:tailEnd type="none" w="med" len="med"/>
+                    </a:lnB>
+                    <a:solidFill>
+                      <a:srgbClr val="E7E7E7"/>
+                    </a:solidFill>
+                  </a:tcPr>
+                </a:tc>
+                <a:tc>
+                  <a:txBody>
+                    <a:bodyPr/>
+                    <a:lstStyle/>
+                    <a:p>
+                      <a:pPr algn="just">
+                        <a:lnSpc>
+                          <a:spcPct val="115000"/>
+                        </a:lnSpc>
+                        <a:spcAft>
+                          <a:spcPts val="600"/>
+                        </a:spcAft>
+                      </a:pPr>
+                      <a:r>
+                        <a:rPr lang="ru-RU" sz="1700" dirty="0">
+                          <a:solidFill>
+                            <a:schemeClr val="tx1"/>
+                          </a:solidFill>
+                          <a:effectLst/>
+                        </a:rPr>
+                        <a:t>После разработки ПМ</a:t>
+                      </a:r>
+                      <a:endParaRPr lang="ru-RU" sz="1400" dirty="0">
+                        <a:solidFill>
+                          <a:schemeClr val="tx1"/>
+                        </a:solidFill>
+                        <a:effectLst/>
+                        <a:latin typeface="Arial" panose="020B0604020202020204" pitchFamily="34" charset="0"/>
+                        <a:ea typeface="Arial" panose="020B0604020202020204" pitchFamily="34" charset="0"/>
+                        <a:cs typeface="Times New Roman" panose="02020603050405020304" pitchFamily="18" charset="0"/>
+                      </a:endParaRPr>
+                    </a:p>
+                  </a:txBody>
+                  <a:tcPr marL="68580" marR="68580" marT="0" marB="0">
+                    <a:lnL w="12700" cap="flat" cmpd="sng" algn="ctr">
+                      <a:solidFill>
+                        <a:schemeClr val="tx1"/>
+                      </a:solidFill>
+                      <a:prstDash val="solid"/>
+                      <a:round/>
+                      <a:headEnd type="none" w="med" len="med"/>
+                      <a:tailEnd type="none" w="med" len="med"/>
+                    </a:lnL>
+                    <a:lnR w="12700" cap="flat" cmpd="sng" algn="ctr">
+                      <a:solidFill>
+                        <a:schemeClr val="tx1"/>
+                      </a:solidFill>
+                      <a:prstDash val="solid"/>
+                      <a:round/>
+                      <a:headEnd type="none" w="med" len="med"/>
+                      <a:tailEnd type="none" w="med" len="med"/>
+                    </a:lnR>
+                    <a:lnT w="12700" cap="flat" cmpd="sng" algn="ctr">
+                      <a:solidFill>
+                        <a:schemeClr val="tx1"/>
+                      </a:solidFill>
+                      <a:prstDash val="solid"/>
+                      <a:round/>
+                      <a:headEnd type="none" w="med" len="med"/>
+                      <a:tailEnd type="none" w="med" len="med"/>
+                    </a:lnT>
+                    <a:lnB w="12700" cap="flat" cmpd="sng" algn="ctr">
+                      <a:solidFill>
+                        <a:schemeClr val="tx1"/>
+                      </a:solidFill>
+                      <a:prstDash val="solid"/>
+                      <a:round/>
+                      <a:headEnd type="none" w="med" len="med"/>
+                      <a:tailEnd type="none" w="med" len="med"/>
+                    </a:lnB>
+                    <a:solidFill>
+                      <a:srgbClr val="E7E7E7"/>
+                    </a:solidFill>
+                  </a:tcPr>
+                </a:tc>
+                <a:extLst>
+                  <a:ext uri="{0D108BD9-81ED-4DB2-BD59-A6C34878D82A}">
+                    <a16:rowId xmlns:a16="http://schemas.microsoft.com/office/drawing/2014/main" val="4263087213"/>
+                  </a:ext>
+                </a:extLst>
+              </a:tr>
+              <a:tr h="1756692">
+                <a:tc>
+                  <a:txBody>
+                    <a:bodyPr/>
+                    <a:lstStyle/>
+                    <a:p>
+                      <a:pPr algn="just">
+                        <a:lnSpc>
+                          <a:spcPct val="115000"/>
+                        </a:lnSpc>
+                        <a:spcAft>
+                          <a:spcPts val="600"/>
+                        </a:spcAft>
+                      </a:pPr>
+                      <a:r>
+                        <a:rPr lang="ru-RU" sz="1700" b="0" dirty="0">
+                          <a:solidFill>
+                            <a:schemeClr val="tx1"/>
+                          </a:solidFill>
+                          <a:effectLst/>
+                        </a:rPr>
+                        <a:t>Администратор вынужден настраивать конфигурацию с помощью команд ОС и конфигурационных файлов сервисов</a:t>
+                      </a:r>
+                      <a:endParaRPr lang="ru-RU" sz="1400" b="0" dirty="0">
+                        <a:solidFill>
+                          <a:schemeClr val="tx1"/>
+                        </a:solidFill>
+                        <a:effectLst/>
+                        <a:latin typeface="Arial" panose="020B0604020202020204" pitchFamily="34" charset="0"/>
+                        <a:ea typeface="Arial" panose="020B0604020202020204" pitchFamily="34" charset="0"/>
+                        <a:cs typeface="Times New Roman" panose="02020603050405020304" pitchFamily="18" charset="0"/>
+                      </a:endParaRPr>
+                    </a:p>
+                  </a:txBody>
+                  <a:tcPr marL="68580" marR="68580" marT="0" marB="0">
+                    <a:lnL w="12700" cap="flat" cmpd="sng" algn="ctr">
+                      <a:solidFill>
+                        <a:schemeClr val="tx1"/>
+                      </a:solidFill>
+                      <a:prstDash val="solid"/>
+                      <a:round/>
+                      <a:headEnd type="none" w="med" len="med"/>
+                      <a:tailEnd type="none" w="med" len="med"/>
+                    </a:lnL>
+                    <a:lnR w="12700" cap="flat" cmpd="sng" algn="ctr">
+                      <a:solidFill>
+                        <a:schemeClr val="tx1"/>
+                      </a:solidFill>
+                      <a:prstDash val="solid"/>
+                      <a:round/>
+                      <a:headEnd type="none" w="med" len="med"/>
+                      <a:tailEnd type="none" w="med" len="med"/>
+                    </a:lnR>
+                    <a:lnT w="12700" cap="flat" cmpd="sng" algn="ctr">
+                      <a:solidFill>
+                        <a:schemeClr val="tx1"/>
+                      </a:solidFill>
+                      <a:prstDash val="solid"/>
+                      <a:round/>
+                      <a:headEnd type="none" w="med" len="med"/>
+                      <a:tailEnd type="none" w="med" len="med"/>
+                    </a:lnT>
+                    <a:lnB w="12700" cap="flat" cmpd="sng" algn="ctr">
+                      <a:solidFill>
+                        <a:schemeClr val="tx1"/>
+                      </a:solidFill>
+                      <a:prstDash val="solid"/>
+                      <a:round/>
+                      <a:headEnd type="none" w="med" len="med"/>
+                      <a:tailEnd type="none" w="med" len="med"/>
+                    </a:lnB>
+                    <a:solidFill>
+                      <a:srgbClr val="CBCBCB"/>
+                    </a:solidFill>
+                  </a:tcPr>
+                </a:tc>
+                <a:tc>
+                  <a:txBody>
+                    <a:bodyPr/>
+                    <a:lstStyle/>
+                    <a:p>
+                      <a:pPr algn="just">
+                        <a:lnSpc>
+                          <a:spcPct val="115000"/>
+                        </a:lnSpc>
+                        <a:spcAft>
+                          <a:spcPts val="600"/>
+                        </a:spcAft>
+                      </a:pPr>
+                      <a:r>
+                        <a:rPr lang="ru-RU" sz="1700" dirty="0">
+                          <a:solidFill>
+                            <a:schemeClr val="tx1"/>
+                          </a:solidFill>
+                          <a:effectLst/>
+                        </a:rPr>
+                        <a:t>Конфигурирование происходит только с помощью команд, определенных в разрабатываемом  программном модуле, благодаря чему настройка упрощается.</a:t>
+                      </a:r>
+                      <a:endParaRPr lang="ru-RU" sz="1400" dirty="0">
+                        <a:solidFill>
+                          <a:schemeClr val="tx1"/>
+                        </a:solidFill>
+                        <a:effectLst/>
+                        <a:latin typeface="Arial" panose="020B0604020202020204" pitchFamily="34" charset="0"/>
+                        <a:ea typeface="Arial" panose="020B0604020202020204" pitchFamily="34" charset="0"/>
+                        <a:cs typeface="Times New Roman" panose="02020603050405020304" pitchFamily="18" charset="0"/>
+                      </a:endParaRPr>
+                    </a:p>
+                  </a:txBody>
+                  <a:tcPr marL="68580" marR="68580" marT="0" marB="0">
+                    <a:lnL w="12700" cap="flat" cmpd="sng" algn="ctr">
+                      <a:solidFill>
+                        <a:schemeClr val="tx1"/>
+                      </a:solidFill>
+                      <a:prstDash val="solid"/>
+                      <a:round/>
+                      <a:headEnd type="none" w="med" len="med"/>
+                      <a:tailEnd type="none" w="med" len="med"/>
+                    </a:lnL>
+                    <a:lnR w="12700" cap="flat" cmpd="sng" algn="ctr">
+                      <a:solidFill>
+                        <a:schemeClr val="tx1"/>
+                      </a:solidFill>
+                      <a:prstDash val="solid"/>
+                      <a:round/>
+                      <a:headEnd type="none" w="med" len="med"/>
+                      <a:tailEnd type="none" w="med" len="med"/>
+                    </a:lnR>
+                    <a:lnT w="12700" cap="flat" cmpd="sng" algn="ctr">
+                      <a:solidFill>
+                        <a:schemeClr val="tx1"/>
+                      </a:solidFill>
+                      <a:prstDash val="solid"/>
+                      <a:round/>
+                      <a:headEnd type="none" w="med" len="med"/>
+                      <a:tailEnd type="none" w="med" len="med"/>
+                    </a:lnT>
+                    <a:lnB w="12700" cap="flat" cmpd="sng" algn="ctr">
+                      <a:solidFill>
+                        <a:schemeClr val="tx1"/>
+                      </a:solidFill>
+                      <a:prstDash val="solid"/>
+                      <a:round/>
+                      <a:headEnd type="none" w="med" len="med"/>
+                      <a:tailEnd type="none" w="med" len="med"/>
+                    </a:lnB>
+                    <a:solidFill>
+                      <a:srgbClr val="CBCBCB"/>
+                    </a:solidFill>
+                  </a:tcPr>
+                </a:tc>
+                <a:extLst>
+                  <a:ext uri="{0D108BD9-81ED-4DB2-BD59-A6C34878D82A}">
+                    <a16:rowId xmlns:a16="http://schemas.microsoft.com/office/drawing/2014/main" val="522041206"/>
+                  </a:ext>
+                </a:extLst>
+              </a:tr>
+            </a:tbl>
+          </a:graphicData>
+        </a:graphic>
+      </p:graphicFrame>
     </p:spTree>
   </p:cSld>
   <p:clrMapOvr>
-    <a:masterClrMapping/>
+    <a:overrideClrMapping bg1="lt1" tx1="dk1" bg2="lt2" tx2="dk2" accent1="accent1" accent2="accent2" accent3="accent3" accent4="accent4" accent5="accent5" accent6="accent6" hlink="hlink" folHlink="folHlink"/>
   </p:clrMapOvr>
 </p:sld>
 </file>
@@ -6078,8 +6439,8 @@
         </p:nvSpPr>
         <p:spPr>
           <a:xfrm>
-            <a:off x="467544" y="5877272"/>
-            <a:ext cx="4464496" cy="461665"/>
+            <a:off x="455669" y="5670082"/>
+            <a:ext cx="4464496" cy="830997"/>
           </a:xfrm>
           <a:prstGeom prst="rect">
             <a:avLst/>
@@ -6100,15 +6461,24 @@
           <a:p>
             <a:r>
               <a:rPr lang="en-US" sz="1200" dirty="0"/>
-              <a:t>[1] </a:t>
+              <a:t>[1]</a:t>
             </a:r>
             <a:r>
               <a:rPr lang="en-US" sz="1200" u="sng" dirty="0"/>
-              <a:t>http://qt-project.org/</a:t>
+              <a:t>https://www.cisco.com/c/ru_ru/td/docs/ios/fundamentals/configuration/guide/12_4/cf_12_4_book/cf_cli-basics.html</a:t>
+            </a:r>
+            <a:endParaRPr lang="ru-RU" sz="1200" u="sng" dirty="0"/>
+          </a:p>
+          <a:p>
+            <a:r>
+              <a:rPr lang="en-US" sz="1200" u="sng" dirty="0"/>
+              <a:t>[2] </a:t>
             </a:r>
             <a:r>
-              <a:rPr lang="ru-RU" sz="1200" u="sng" dirty="0"/>
-              <a:t>...............................................</a:t>
+              <a:rPr lang="en-US" sz="1200" u="sng" dirty="0">
+                <a:hlinkClick r:id="rId2"/>
+              </a:rPr>
+              <a:t>https://www.s-terra.ru/</a:t>
             </a:r>
             <a:endParaRPr lang="en-US" sz="1200" u="sng" dirty="0"/>
           </a:p>
@@ -6116,115 +6486,783 @@
       </p:sp>
       <p:graphicFrame>
         <p:nvGraphicFramePr>
-          <p:cNvPr id="14" name="Таблица 13"/>
+          <p:cNvPr id="3" name="Таблица 2">
+            <a:extLst>
+              <a:ext uri="{FF2B5EF4-FFF2-40B4-BE49-F238E27FC236}">
+                <a16:creationId xmlns:a16="http://schemas.microsoft.com/office/drawing/2014/main" id="{91345129-4ACC-48F6-8EAE-F0D22B4B125B}"/>
+              </a:ext>
+            </a:extLst>
+          </p:cNvPr>
           <p:cNvGraphicFramePr>
             <a:graphicFrameLocks noGrp="1"/>
           </p:cNvGraphicFramePr>
-          <p:nvPr/>
+          <p:nvPr>
+            <p:extLst>
+              <p:ext uri="{D42A27DB-BD31-4B8C-83A1-F6EECF244321}">
+                <p14:modId xmlns:p14="http://schemas.microsoft.com/office/powerpoint/2010/main" val="613850563"/>
+              </p:ext>
+            </p:extLst>
+          </p:nvPr>
         </p:nvGraphicFramePr>
         <p:xfrm>
-          <a:off x="467544" y="764704"/>
-          <a:ext cx="8352928" cy="2286064"/>
+          <a:off x="468132" y="980727"/>
+          <a:ext cx="8136316" cy="4483608"/>
         </p:xfrm>
         <a:graphic>
           <a:graphicData uri="http://schemas.openxmlformats.org/drawingml/2006/table">
             <a:tbl>
-              <a:tblPr/>
+              <a:tblPr firstRow="1" bandRow="1">
+                <a:tableStyleId>{D7AC3CCA-C797-4891-BE02-D94E43425B78}</a:tableStyleId>
+              </a:tblPr>
               <a:tblGrid>
-                <a:gridCol w="1715056">
+                <a:gridCol w="2015636">
                   <a:extLst>
                     <a:ext uri="{9D8B030D-6E8A-4147-A177-3AD203B41FA5}">
-                      <a16:colId xmlns:a16="http://schemas.microsoft.com/office/drawing/2014/main" val="20000"/>
+                      <a16:colId xmlns:a16="http://schemas.microsoft.com/office/drawing/2014/main" val="1288979779"/>
                     </a:ext>
                   </a:extLst>
                 </a:gridCol>
-                <a:gridCol w="2458955">
+                <a:gridCol w="1872208">
                   <a:extLst>
                     <a:ext uri="{9D8B030D-6E8A-4147-A177-3AD203B41FA5}">
-                      <a16:colId xmlns:a16="http://schemas.microsoft.com/office/drawing/2014/main" val="20001"/>
+                      <a16:colId xmlns:a16="http://schemas.microsoft.com/office/drawing/2014/main" val="3670917489"/>
                     </a:ext>
                   </a:extLst>
                 </a:gridCol>
-                <a:gridCol w="2785944">
+                <a:gridCol w="1944216">
                   <a:extLst>
                     <a:ext uri="{9D8B030D-6E8A-4147-A177-3AD203B41FA5}">
-                      <a16:colId xmlns:a16="http://schemas.microsoft.com/office/drawing/2014/main" val="20002"/>
+                      <a16:colId xmlns:a16="http://schemas.microsoft.com/office/drawing/2014/main" val="339314139"/>
                     </a:ext>
                   </a:extLst>
                 </a:gridCol>
-                <a:gridCol w="1392973">
+                <a:gridCol w="2304256">
                   <a:extLst>
                     <a:ext uri="{9D8B030D-6E8A-4147-A177-3AD203B41FA5}">
-                      <a16:colId xmlns:a16="http://schemas.microsoft.com/office/drawing/2014/main" val="20003"/>
+                      <a16:colId xmlns:a16="http://schemas.microsoft.com/office/drawing/2014/main" val="1068415690"/>
                     </a:ext>
                   </a:extLst>
                 </a:gridCol>
               </a:tblGrid>
-              <a:tr h="680371">
+              <a:tr h="841891">
                 <a:tc>
                   <a:txBody>
                     <a:bodyPr/>
                     <a:lstStyle/>
                     <a:p>
-                      <a:pPr>
+                      <a:pPr algn="r">
                         <a:lnSpc>
                           <a:spcPct val="115000"/>
                         </a:lnSpc>
                         <a:spcAft>
-                          <a:spcPts val="0"/>
+                          <a:spcPts val="600"/>
                         </a:spcAft>
                       </a:pPr>
                       <a:r>
-                        <a:rPr lang="ru-RU" sz="1600" dirty="0">
-                          <a:latin typeface="Times New Roman"/>
-                          <a:ea typeface="Times New Roman"/>
-                          <a:cs typeface="Mangal"/>
+                        <a:rPr lang="ru-RU" sz="1400" dirty="0">
+                          <a:solidFill>
+                            <a:srgbClr val="000000"/>
+                          </a:solidFill>
+                          <a:effectLst/>
+                          <a:latin typeface="Times New Roman" panose="02020603050405020304" pitchFamily="18" charset="0"/>
+                          <a:ea typeface="Arial" panose="020B0604020202020204" pitchFamily="34" charset="0"/>
+                          <a:cs typeface="Times New Roman" panose="02020603050405020304" pitchFamily="18" charset="0"/>
                         </a:rPr>
-                        <a:t>Название </a:t>
+                        <a:t>Метод</a:t>
                       </a:r>
+                      <a:endParaRPr lang="ru-RU" sz="1400" dirty="0">
+                        <a:effectLst/>
+                        <a:latin typeface="Arial" panose="020B0604020202020204" pitchFamily="34" charset="0"/>
+                        <a:ea typeface="Arial" panose="020B0604020202020204" pitchFamily="34" charset="0"/>
+                        <a:cs typeface="Times New Roman" panose="02020603050405020304" pitchFamily="18" charset="0"/>
+                      </a:endParaRPr>
+                    </a:p>
+                    <a:p>
+                      <a:pPr algn="just">
+                        <a:lnSpc>
+                          <a:spcPct val="115000"/>
+                        </a:lnSpc>
+                        <a:spcAft>
+                          <a:spcPts val="600"/>
+                        </a:spcAft>
+                      </a:pPr>
+                      <a:r>
+                        <a:rPr lang="ru-RU" sz="1400" dirty="0">
+                          <a:solidFill>
+                            <a:srgbClr val="000000"/>
+                          </a:solidFill>
+                          <a:effectLst/>
+                          <a:latin typeface="Times New Roman" panose="02020603050405020304" pitchFamily="18" charset="0"/>
+                          <a:ea typeface="Arial" panose="020B0604020202020204" pitchFamily="34" charset="0"/>
+                          <a:cs typeface="Times New Roman" panose="02020603050405020304" pitchFamily="18" charset="0"/>
+                        </a:rPr>
+                        <a:t>Критерии</a:t>
+                      </a:r>
+                      <a:endParaRPr lang="ru-RU" sz="1400" dirty="0">
+                        <a:effectLst/>
+                        <a:latin typeface="Arial" panose="020B0604020202020204" pitchFamily="34" charset="0"/>
+                        <a:ea typeface="Arial" panose="020B0604020202020204" pitchFamily="34" charset="0"/>
+                        <a:cs typeface="Times New Roman" panose="02020603050405020304" pitchFamily="18" charset="0"/>
+                      </a:endParaRPr>
                     </a:p>
                   </a:txBody>
-                  <a:tcPr anchor="ctr">
-                    <a:lnL w="12700" cap="flat" cmpd="sng" algn="ctr">
-                      <a:solidFill>
-                        <a:srgbClr val="000000"/>
-                      </a:solidFill>
-                      <a:prstDash val="solid"/>
-                      <a:round/>
-                      <a:headEnd type="none" w="med" len="med"/>
-                      <a:tailEnd type="none" w="med" len="med"/>
-                    </a:lnL>
-                    <a:lnR w="12700" cap="flat" cmpd="sng" algn="ctr">
-                      <a:solidFill>
-                        <a:srgbClr val="000000"/>
-                      </a:solidFill>
-                      <a:prstDash val="solid"/>
-                      <a:round/>
-                      <a:headEnd type="none" w="med" len="med"/>
-                      <a:tailEnd type="none" w="med" len="med"/>
-                    </a:lnR>
-                    <a:lnT w="12700" cap="flat" cmpd="sng" algn="ctr">
-                      <a:solidFill>
-                        <a:srgbClr val="000000"/>
-                      </a:solidFill>
-                      <a:prstDash val="solid"/>
-                      <a:round/>
-                      <a:headEnd type="none" w="med" len="med"/>
-                      <a:tailEnd type="none" w="med" len="med"/>
-                    </a:lnT>
-                    <a:lnB w="12700" cap="flat" cmpd="sng" algn="ctr">
-                      <a:solidFill>
-                        <a:srgbClr val="000000"/>
-                      </a:solidFill>
-                      <a:prstDash val="solid"/>
-                      <a:round/>
-                      <a:headEnd type="none" w="med" len="med"/>
-                      <a:tailEnd type="none" w="med" len="med"/>
-                    </a:lnB>
+                  <a:tcPr marL="68580" marR="68580" marT="0" marB="0"/>
+                </a:tc>
+                <a:tc>
+                  <a:txBody>
+                    <a:bodyPr/>
+                    <a:lstStyle/>
+                    <a:p>
+                      <a:pPr algn="just">
+                        <a:lnSpc>
+                          <a:spcPct val="115000"/>
+                        </a:lnSpc>
+                        <a:spcAft>
+                          <a:spcPts val="600"/>
+                        </a:spcAft>
+                      </a:pPr>
+                      <a:r>
+                        <a:rPr lang="ru-RU" sz="1400" dirty="0">
+                          <a:solidFill>
+                            <a:srgbClr val="000000"/>
+                          </a:solidFill>
+                          <a:effectLst/>
+                          <a:latin typeface="Times New Roman" panose="02020603050405020304" pitchFamily="18" charset="0"/>
+                          <a:ea typeface="Arial" panose="020B0604020202020204" pitchFamily="34" charset="0"/>
+                          <a:cs typeface="Times New Roman" panose="02020603050405020304" pitchFamily="18" charset="0"/>
+                        </a:rPr>
+                        <a:t>С</a:t>
+                      </a:r>
+                      <a:r>
+                        <a:rPr lang="en-US" sz="1400" dirty="0" err="1">
+                          <a:solidFill>
+                            <a:srgbClr val="000000"/>
+                          </a:solidFill>
+                          <a:effectLst/>
+                          <a:latin typeface="Times New Roman" panose="02020603050405020304" pitchFamily="18" charset="0"/>
+                          <a:ea typeface="Arial" panose="020B0604020202020204" pitchFamily="34" charset="0"/>
+                          <a:cs typeface="Times New Roman" panose="02020603050405020304" pitchFamily="18" charset="0"/>
+                        </a:rPr>
+                        <a:t>isco</a:t>
+                      </a:r>
+                      <a:r>
+                        <a:rPr lang="en-US" sz="1400" dirty="0">
+                          <a:solidFill>
+                            <a:srgbClr val="000000"/>
+                          </a:solidFill>
+                          <a:effectLst/>
+                          <a:latin typeface="Times New Roman" panose="02020603050405020304" pitchFamily="18" charset="0"/>
+                          <a:ea typeface="Arial" panose="020B0604020202020204" pitchFamily="34" charset="0"/>
+                          <a:cs typeface="Times New Roman" panose="02020603050405020304" pitchFamily="18" charset="0"/>
+                        </a:rPr>
+                        <a:t> </a:t>
+                      </a:r>
+                      <a:r>
+                        <a:rPr lang="ru-RU" sz="1400" dirty="0">
+                          <a:solidFill>
+                            <a:srgbClr val="000000"/>
+                          </a:solidFill>
+                          <a:effectLst/>
+                          <a:latin typeface="Times New Roman" panose="02020603050405020304" pitchFamily="18" charset="0"/>
+                          <a:ea typeface="Arial" panose="020B0604020202020204" pitchFamily="34" charset="0"/>
+                          <a:cs typeface="Times New Roman" panose="02020603050405020304" pitchFamily="18" charset="0"/>
+                        </a:rPr>
+                        <a:t>консоль</a:t>
+                      </a:r>
+                      <a:endParaRPr lang="ru-RU" sz="1400" dirty="0">
+                        <a:effectLst/>
+                        <a:latin typeface="Arial" panose="020B0604020202020204" pitchFamily="34" charset="0"/>
+                        <a:ea typeface="Arial" panose="020B0604020202020204" pitchFamily="34" charset="0"/>
+                        <a:cs typeface="Times New Roman" panose="02020603050405020304" pitchFamily="18" charset="0"/>
+                      </a:endParaRPr>
+                    </a:p>
+                  </a:txBody>
+                  <a:tcPr marL="68580" marR="68580" marT="0" marB="0">
                     <a:solidFill>
                       <a:srgbClr val="E7E7E7"/>
                     </a:solidFill>
                   </a:tcPr>
+                </a:tc>
+                <a:tc>
+                  <a:txBody>
+                    <a:bodyPr/>
+                    <a:lstStyle/>
+                    <a:p>
+                      <a:pPr algn="just">
+                        <a:lnSpc>
+                          <a:spcPct val="115000"/>
+                        </a:lnSpc>
+                        <a:spcAft>
+                          <a:spcPts val="600"/>
+                        </a:spcAft>
+                      </a:pPr>
+                      <a:r>
+                        <a:rPr lang="ru-RU" sz="1400">
+                          <a:solidFill>
+                            <a:srgbClr val="000000"/>
+                          </a:solidFill>
+                          <a:effectLst/>
+                          <a:latin typeface="Times New Roman" panose="02020603050405020304" pitchFamily="18" charset="0"/>
+                          <a:ea typeface="Arial" panose="020B0604020202020204" pitchFamily="34" charset="0"/>
+                          <a:cs typeface="Times New Roman" panose="02020603050405020304" pitchFamily="18" charset="0"/>
+                        </a:rPr>
+                        <a:t>Программный модуль С-Терры (текущее решение)</a:t>
+                      </a:r>
+                      <a:endParaRPr lang="ru-RU" sz="1400">
+                        <a:effectLst/>
+                        <a:latin typeface="Arial" panose="020B0604020202020204" pitchFamily="34" charset="0"/>
+                        <a:ea typeface="Arial" panose="020B0604020202020204" pitchFamily="34" charset="0"/>
+                        <a:cs typeface="Times New Roman" panose="02020603050405020304" pitchFamily="18" charset="0"/>
+                      </a:endParaRPr>
+                    </a:p>
+                  </a:txBody>
+                  <a:tcPr marL="68580" marR="68580" marT="0" marB="0">
+                    <a:solidFill>
+                      <a:srgbClr val="0070C0"/>
+                    </a:solidFill>
+                  </a:tcPr>
+                </a:tc>
+                <a:tc>
+                  <a:txBody>
+                    <a:bodyPr/>
+                    <a:lstStyle/>
+                    <a:p>
+                      <a:pPr algn="just">
+                        <a:lnSpc>
+                          <a:spcPct val="115000"/>
+                        </a:lnSpc>
+                        <a:spcAft>
+                          <a:spcPts val="600"/>
+                        </a:spcAft>
+                      </a:pPr>
+                      <a:r>
+                        <a:rPr lang="ru-RU" sz="1400">
+                          <a:solidFill>
+                            <a:srgbClr val="000000"/>
+                          </a:solidFill>
+                          <a:effectLst/>
+                          <a:latin typeface="Times New Roman" panose="02020603050405020304" pitchFamily="18" charset="0"/>
+                          <a:ea typeface="Arial" panose="020B0604020202020204" pitchFamily="34" charset="0"/>
+                          <a:cs typeface="Times New Roman" panose="02020603050405020304" pitchFamily="18" charset="0"/>
+                        </a:rPr>
+                        <a:t>Cisco Configuration Professional</a:t>
+                      </a:r>
+                      <a:endParaRPr lang="ru-RU" sz="1400">
+                        <a:effectLst/>
+                        <a:latin typeface="Arial" panose="020B0604020202020204" pitchFamily="34" charset="0"/>
+                        <a:ea typeface="Arial" panose="020B0604020202020204" pitchFamily="34" charset="0"/>
+                        <a:cs typeface="Times New Roman" panose="02020603050405020304" pitchFamily="18" charset="0"/>
+                      </a:endParaRPr>
+                    </a:p>
+                  </a:txBody>
+                  <a:tcPr marL="68580" marR="68580" marT="0" marB="0"/>
+                </a:tc>
+                <a:extLst>
+                  <a:ext uri="{0D108BD9-81ED-4DB2-BD59-A6C34878D82A}">
+                    <a16:rowId xmlns:a16="http://schemas.microsoft.com/office/drawing/2014/main" val="539312823"/>
+                  </a:ext>
+                </a:extLst>
+              </a:tr>
+              <a:tr h="533818">
+                <a:tc>
+                  <a:txBody>
+                    <a:bodyPr/>
+                    <a:lstStyle/>
+                    <a:p>
+                      <a:pPr algn="just">
+                        <a:lnSpc>
+                          <a:spcPct val="115000"/>
+                        </a:lnSpc>
+                        <a:spcAft>
+                          <a:spcPts val="600"/>
+                        </a:spcAft>
+                      </a:pPr>
+                      <a:r>
+                        <a:rPr lang="ru-RU" sz="1400">
+                          <a:solidFill>
+                            <a:srgbClr val="000000"/>
+                          </a:solidFill>
+                          <a:effectLst/>
+                          <a:latin typeface="Times New Roman" panose="02020603050405020304" pitchFamily="18" charset="0"/>
+                          <a:ea typeface="Arial" panose="020B0604020202020204" pitchFamily="34" charset="0"/>
+                          <a:cs typeface="Times New Roman" panose="02020603050405020304" pitchFamily="18" charset="0"/>
+                        </a:rPr>
+                        <a:t>Возможность работы в фоновом режиме</a:t>
+                      </a:r>
+                      <a:endParaRPr lang="ru-RU" sz="1400">
+                        <a:effectLst/>
+                        <a:latin typeface="Arial" panose="020B0604020202020204" pitchFamily="34" charset="0"/>
+                        <a:ea typeface="Arial" panose="020B0604020202020204" pitchFamily="34" charset="0"/>
+                        <a:cs typeface="Times New Roman" panose="02020603050405020304" pitchFamily="18" charset="0"/>
+                      </a:endParaRPr>
+                    </a:p>
+                  </a:txBody>
+                  <a:tcPr marL="68580" marR="68580" marT="0" marB="0"/>
+                </a:tc>
+                <a:tc>
+                  <a:txBody>
+                    <a:bodyPr/>
+                    <a:lstStyle/>
+                    <a:p>
+                      <a:pPr algn="just">
+                        <a:lnSpc>
+                          <a:spcPct val="115000"/>
+                        </a:lnSpc>
+                        <a:spcAft>
+                          <a:spcPts val="600"/>
+                        </a:spcAft>
+                      </a:pPr>
+                      <a:r>
+                        <a:rPr lang="ru-RU" sz="1400">
+                          <a:solidFill>
+                            <a:srgbClr val="000000"/>
+                          </a:solidFill>
+                          <a:effectLst/>
+                          <a:latin typeface="Times New Roman" panose="02020603050405020304" pitchFamily="18" charset="0"/>
+                          <a:ea typeface="Arial" panose="020B0604020202020204" pitchFamily="34" charset="0"/>
+                          <a:cs typeface="Times New Roman" panose="02020603050405020304" pitchFamily="18" charset="0"/>
+                        </a:rPr>
+                        <a:t>Нет</a:t>
+                      </a:r>
+                      <a:endParaRPr lang="ru-RU" sz="1400">
+                        <a:effectLst/>
+                        <a:latin typeface="Arial" panose="020B0604020202020204" pitchFamily="34" charset="0"/>
+                        <a:ea typeface="Arial" panose="020B0604020202020204" pitchFamily="34" charset="0"/>
+                        <a:cs typeface="Times New Roman" panose="02020603050405020304" pitchFamily="18" charset="0"/>
+                      </a:endParaRPr>
+                    </a:p>
+                  </a:txBody>
+                  <a:tcPr marL="68580" marR="68580" marT="0" marB="0">
+                    <a:solidFill>
+                      <a:srgbClr val="CBCBCB"/>
+                    </a:solidFill>
+                  </a:tcPr>
+                </a:tc>
+                <a:tc>
+                  <a:txBody>
+                    <a:bodyPr/>
+                    <a:lstStyle/>
+                    <a:p>
+                      <a:pPr algn="just">
+                        <a:lnSpc>
+                          <a:spcPct val="115000"/>
+                        </a:lnSpc>
+                        <a:spcAft>
+                          <a:spcPts val="600"/>
+                        </a:spcAft>
+                      </a:pPr>
+                      <a:r>
+                        <a:rPr lang="ru-RU" sz="1400">
+                          <a:solidFill>
+                            <a:srgbClr val="000000"/>
+                          </a:solidFill>
+                          <a:effectLst/>
+                          <a:latin typeface="Times New Roman" panose="02020603050405020304" pitchFamily="18" charset="0"/>
+                          <a:ea typeface="Arial" panose="020B0604020202020204" pitchFamily="34" charset="0"/>
+                          <a:cs typeface="Times New Roman" panose="02020603050405020304" pitchFamily="18" charset="0"/>
+                        </a:rPr>
+                        <a:t>Нет</a:t>
+                      </a:r>
+                      <a:endParaRPr lang="ru-RU" sz="1400">
+                        <a:effectLst/>
+                        <a:latin typeface="Arial" panose="020B0604020202020204" pitchFamily="34" charset="0"/>
+                        <a:ea typeface="Arial" panose="020B0604020202020204" pitchFamily="34" charset="0"/>
+                        <a:cs typeface="Times New Roman" panose="02020603050405020304" pitchFamily="18" charset="0"/>
+                      </a:endParaRPr>
+                    </a:p>
+                  </a:txBody>
+                  <a:tcPr marL="68580" marR="68580" marT="0" marB="0">
+                    <a:solidFill>
+                      <a:srgbClr val="0070C0"/>
+                    </a:solidFill>
+                  </a:tcPr>
+                </a:tc>
+                <a:tc>
+                  <a:txBody>
+                    <a:bodyPr/>
+                    <a:lstStyle/>
+                    <a:p>
+                      <a:pPr algn="just">
+                        <a:lnSpc>
+                          <a:spcPct val="115000"/>
+                        </a:lnSpc>
+                        <a:spcAft>
+                          <a:spcPts val="600"/>
+                        </a:spcAft>
+                      </a:pPr>
+                      <a:r>
+                        <a:rPr lang="ru-RU" sz="1400">
+                          <a:solidFill>
+                            <a:srgbClr val="000000"/>
+                          </a:solidFill>
+                          <a:effectLst/>
+                          <a:latin typeface="Times New Roman" panose="02020603050405020304" pitchFamily="18" charset="0"/>
+                          <a:ea typeface="Arial" panose="020B0604020202020204" pitchFamily="34" charset="0"/>
+                          <a:cs typeface="Times New Roman" panose="02020603050405020304" pitchFamily="18" charset="0"/>
+                        </a:rPr>
+                        <a:t>Нет</a:t>
+                      </a:r>
+                      <a:endParaRPr lang="ru-RU" sz="1400">
+                        <a:effectLst/>
+                        <a:latin typeface="Arial" panose="020B0604020202020204" pitchFamily="34" charset="0"/>
+                        <a:ea typeface="Arial" panose="020B0604020202020204" pitchFamily="34" charset="0"/>
+                        <a:cs typeface="Times New Roman" panose="02020603050405020304" pitchFamily="18" charset="0"/>
+                      </a:endParaRPr>
+                    </a:p>
+                  </a:txBody>
+                  <a:tcPr marL="68580" marR="68580" marT="0" marB="0"/>
+                </a:tc>
+                <a:extLst>
+                  <a:ext uri="{0D108BD9-81ED-4DB2-BD59-A6C34878D82A}">
+                    <a16:rowId xmlns:a16="http://schemas.microsoft.com/office/drawing/2014/main" val="2097034049"/>
+                  </a:ext>
+                </a:extLst>
+              </a:tr>
+              <a:tr h="533818">
+                <a:tc>
+                  <a:txBody>
+                    <a:bodyPr/>
+                    <a:lstStyle/>
+                    <a:p>
+                      <a:pPr algn="just">
+                        <a:lnSpc>
+                          <a:spcPct val="115000"/>
+                        </a:lnSpc>
+                        <a:spcAft>
+                          <a:spcPts val="600"/>
+                        </a:spcAft>
+                      </a:pPr>
+                      <a:r>
+                        <a:rPr lang="ru-RU" sz="1400">
+                          <a:solidFill>
+                            <a:srgbClr val="000000"/>
+                          </a:solidFill>
+                          <a:effectLst/>
+                          <a:latin typeface="Times New Roman" panose="02020603050405020304" pitchFamily="18" charset="0"/>
+                          <a:ea typeface="Arial" panose="020B0604020202020204" pitchFamily="34" charset="0"/>
+                          <a:cs typeface="Times New Roman" panose="02020603050405020304" pitchFamily="18" charset="0"/>
+                        </a:rPr>
+                        <a:t>Возможность тонкой настройки параметров</a:t>
+                      </a:r>
+                      <a:endParaRPr lang="ru-RU" sz="1400">
+                        <a:effectLst/>
+                        <a:latin typeface="Arial" panose="020B0604020202020204" pitchFamily="34" charset="0"/>
+                        <a:ea typeface="Arial" panose="020B0604020202020204" pitchFamily="34" charset="0"/>
+                        <a:cs typeface="Times New Roman" panose="02020603050405020304" pitchFamily="18" charset="0"/>
+                      </a:endParaRPr>
+                    </a:p>
+                  </a:txBody>
+                  <a:tcPr marL="68580" marR="68580" marT="0" marB="0"/>
+                </a:tc>
+                <a:tc>
+                  <a:txBody>
+                    <a:bodyPr/>
+                    <a:lstStyle/>
+                    <a:p>
+                      <a:pPr algn="just">
+                        <a:lnSpc>
+                          <a:spcPct val="115000"/>
+                        </a:lnSpc>
+                        <a:spcAft>
+                          <a:spcPts val="600"/>
+                        </a:spcAft>
+                      </a:pPr>
+                      <a:r>
+                        <a:rPr lang="ru-RU" sz="1400">
+                          <a:solidFill>
+                            <a:srgbClr val="000000"/>
+                          </a:solidFill>
+                          <a:effectLst/>
+                          <a:latin typeface="Times New Roman" panose="02020603050405020304" pitchFamily="18" charset="0"/>
+                          <a:ea typeface="Arial" panose="020B0604020202020204" pitchFamily="34" charset="0"/>
+                          <a:cs typeface="Times New Roman" panose="02020603050405020304" pitchFamily="18" charset="0"/>
+                        </a:rPr>
+                        <a:t>Есть</a:t>
+                      </a:r>
+                      <a:endParaRPr lang="ru-RU" sz="1400">
+                        <a:effectLst/>
+                        <a:latin typeface="Arial" panose="020B0604020202020204" pitchFamily="34" charset="0"/>
+                        <a:ea typeface="Arial" panose="020B0604020202020204" pitchFamily="34" charset="0"/>
+                        <a:cs typeface="Times New Roman" panose="02020603050405020304" pitchFamily="18" charset="0"/>
+                      </a:endParaRPr>
+                    </a:p>
+                  </a:txBody>
+                  <a:tcPr marL="68580" marR="68580" marT="0" marB="0">
+                    <a:solidFill>
+                      <a:srgbClr val="E7E7E7"/>
+                    </a:solidFill>
+                  </a:tcPr>
+                </a:tc>
+                <a:tc>
+                  <a:txBody>
+                    <a:bodyPr/>
+                    <a:lstStyle/>
+                    <a:p>
+                      <a:pPr algn="just">
+                        <a:lnSpc>
+                          <a:spcPct val="115000"/>
+                        </a:lnSpc>
+                        <a:spcAft>
+                          <a:spcPts val="600"/>
+                        </a:spcAft>
+                      </a:pPr>
+                      <a:r>
+                        <a:rPr lang="ru-RU" sz="1400">
+                          <a:solidFill>
+                            <a:srgbClr val="000000"/>
+                          </a:solidFill>
+                          <a:effectLst/>
+                          <a:latin typeface="Times New Roman" panose="02020603050405020304" pitchFamily="18" charset="0"/>
+                          <a:ea typeface="Arial" panose="020B0604020202020204" pitchFamily="34" charset="0"/>
+                          <a:cs typeface="Times New Roman" panose="02020603050405020304" pitchFamily="18" charset="0"/>
+                        </a:rPr>
+                        <a:t>Есть</a:t>
+                      </a:r>
+                      <a:endParaRPr lang="ru-RU" sz="1400">
+                        <a:effectLst/>
+                        <a:latin typeface="Arial" panose="020B0604020202020204" pitchFamily="34" charset="0"/>
+                        <a:ea typeface="Arial" panose="020B0604020202020204" pitchFamily="34" charset="0"/>
+                        <a:cs typeface="Times New Roman" panose="02020603050405020304" pitchFamily="18" charset="0"/>
+                      </a:endParaRPr>
+                    </a:p>
+                  </a:txBody>
+                  <a:tcPr marL="68580" marR="68580" marT="0" marB="0">
+                    <a:solidFill>
+                      <a:srgbClr val="0070C0"/>
+                    </a:solidFill>
+                  </a:tcPr>
+                </a:tc>
+                <a:tc>
+                  <a:txBody>
+                    <a:bodyPr/>
+                    <a:lstStyle/>
+                    <a:p>
+                      <a:pPr algn="just">
+                        <a:lnSpc>
+                          <a:spcPct val="115000"/>
+                        </a:lnSpc>
+                        <a:spcAft>
+                          <a:spcPts val="600"/>
+                        </a:spcAft>
+                      </a:pPr>
+                      <a:r>
+                        <a:rPr lang="ru-RU" sz="1400">
+                          <a:solidFill>
+                            <a:srgbClr val="000000"/>
+                          </a:solidFill>
+                          <a:effectLst/>
+                          <a:latin typeface="Times New Roman" panose="02020603050405020304" pitchFamily="18" charset="0"/>
+                          <a:ea typeface="Arial" panose="020B0604020202020204" pitchFamily="34" charset="0"/>
+                          <a:cs typeface="Times New Roman" panose="02020603050405020304" pitchFamily="18" charset="0"/>
+                        </a:rPr>
+                        <a:t>Нет</a:t>
+                      </a:r>
+                      <a:endParaRPr lang="ru-RU" sz="1400">
+                        <a:effectLst/>
+                        <a:latin typeface="Arial" panose="020B0604020202020204" pitchFamily="34" charset="0"/>
+                        <a:ea typeface="Arial" panose="020B0604020202020204" pitchFamily="34" charset="0"/>
+                        <a:cs typeface="Times New Roman" panose="02020603050405020304" pitchFamily="18" charset="0"/>
+                      </a:endParaRPr>
+                    </a:p>
+                  </a:txBody>
+                  <a:tcPr marL="68580" marR="68580" marT="0" marB="0"/>
+                </a:tc>
+                <a:extLst>
+                  <a:ext uri="{0D108BD9-81ED-4DB2-BD59-A6C34878D82A}">
+                    <a16:rowId xmlns:a16="http://schemas.microsoft.com/office/drawing/2014/main" val="734690886"/>
+                  </a:ext>
+                </a:extLst>
+              </a:tr>
+              <a:tr h="806250">
+                <a:tc>
+                  <a:txBody>
+                    <a:bodyPr/>
+                    <a:lstStyle/>
+                    <a:p>
+                      <a:pPr algn="just">
+                        <a:lnSpc>
+                          <a:spcPct val="115000"/>
+                        </a:lnSpc>
+                        <a:spcAft>
+                          <a:spcPts val="600"/>
+                        </a:spcAft>
+                      </a:pPr>
+                      <a:r>
+                        <a:rPr lang="ru-RU" sz="1400">
+                          <a:solidFill>
+                            <a:srgbClr val="000000"/>
+                          </a:solidFill>
+                          <a:effectLst/>
+                          <a:latin typeface="Times New Roman" panose="02020603050405020304" pitchFamily="18" charset="0"/>
+                          <a:ea typeface="Arial" panose="020B0604020202020204" pitchFamily="34" charset="0"/>
+                          <a:cs typeface="Times New Roman" panose="02020603050405020304" pitchFamily="18" charset="0"/>
+                        </a:rPr>
+                        <a:t>Возможность повторного запуска без участия оператора</a:t>
+                      </a:r>
+                      <a:endParaRPr lang="ru-RU" sz="1400">
+                        <a:effectLst/>
+                        <a:latin typeface="Arial" panose="020B0604020202020204" pitchFamily="34" charset="0"/>
+                        <a:ea typeface="Arial" panose="020B0604020202020204" pitchFamily="34" charset="0"/>
+                        <a:cs typeface="Times New Roman" panose="02020603050405020304" pitchFamily="18" charset="0"/>
+                      </a:endParaRPr>
+                    </a:p>
+                  </a:txBody>
+                  <a:tcPr marL="68580" marR="68580" marT="0" marB="0"/>
+                </a:tc>
+                <a:tc>
+                  <a:txBody>
+                    <a:bodyPr/>
+                    <a:lstStyle/>
+                    <a:p>
+                      <a:pPr algn="just">
+                        <a:lnSpc>
+                          <a:spcPct val="115000"/>
+                        </a:lnSpc>
+                        <a:spcAft>
+                          <a:spcPts val="600"/>
+                        </a:spcAft>
+                      </a:pPr>
+                      <a:r>
+                        <a:rPr lang="ru-RU" sz="1400">
+                          <a:solidFill>
+                            <a:srgbClr val="000000"/>
+                          </a:solidFill>
+                          <a:effectLst/>
+                          <a:latin typeface="Times New Roman" panose="02020603050405020304" pitchFamily="18" charset="0"/>
+                          <a:ea typeface="Arial" panose="020B0604020202020204" pitchFamily="34" charset="0"/>
+                          <a:cs typeface="Times New Roman" panose="02020603050405020304" pitchFamily="18" charset="0"/>
+                        </a:rPr>
+                        <a:t>Нет</a:t>
+                      </a:r>
+                      <a:endParaRPr lang="ru-RU" sz="1400">
+                        <a:effectLst/>
+                        <a:latin typeface="Arial" panose="020B0604020202020204" pitchFamily="34" charset="0"/>
+                        <a:ea typeface="Arial" panose="020B0604020202020204" pitchFamily="34" charset="0"/>
+                        <a:cs typeface="Times New Roman" panose="02020603050405020304" pitchFamily="18" charset="0"/>
+                      </a:endParaRPr>
+                    </a:p>
+                  </a:txBody>
+                  <a:tcPr marL="68580" marR="68580" marT="0" marB="0">
+                    <a:solidFill>
+                      <a:srgbClr val="CBCBCB"/>
+                    </a:solidFill>
+                  </a:tcPr>
+                </a:tc>
+                <a:tc>
+                  <a:txBody>
+                    <a:bodyPr/>
+                    <a:lstStyle/>
+                    <a:p>
+                      <a:pPr algn="just">
+                        <a:lnSpc>
+                          <a:spcPct val="115000"/>
+                        </a:lnSpc>
+                        <a:spcAft>
+                          <a:spcPts val="600"/>
+                        </a:spcAft>
+                      </a:pPr>
+                      <a:r>
+                        <a:rPr lang="ru-RU" sz="1400" dirty="0">
+                          <a:solidFill>
+                            <a:srgbClr val="000000"/>
+                          </a:solidFill>
+                          <a:effectLst/>
+                          <a:latin typeface="Times New Roman" panose="02020603050405020304" pitchFamily="18" charset="0"/>
+                          <a:ea typeface="Arial" panose="020B0604020202020204" pitchFamily="34" charset="0"/>
+                          <a:cs typeface="Times New Roman" panose="02020603050405020304" pitchFamily="18" charset="0"/>
+                        </a:rPr>
+                        <a:t>Нет</a:t>
+                      </a:r>
+                      <a:endParaRPr lang="ru-RU" sz="1400" dirty="0">
+                        <a:effectLst/>
+                        <a:latin typeface="Arial" panose="020B0604020202020204" pitchFamily="34" charset="0"/>
+                        <a:ea typeface="Arial" panose="020B0604020202020204" pitchFamily="34" charset="0"/>
+                        <a:cs typeface="Times New Roman" panose="02020603050405020304" pitchFamily="18" charset="0"/>
+                      </a:endParaRPr>
+                    </a:p>
+                  </a:txBody>
+                  <a:tcPr marL="68580" marR="68580" marT="0" marB="0">
+                    <a:solidFill>
+                      <a:srgbClr val="0070C0"/>
+                    </a:solidFill>
+                  </a:tcPr>
+                </a:tc>
+                <a:tc>
+                  <a:txBody>
+                    <a:bodyPr/>
+                    <a:lstStyle/>
+                    <a:p>
+                      <a:pPr algn="just">
+                        <a:lnSpc>
+                          <a:spcPct val="115000"/>
+                        </a:lnSpc>
+                        <a:spcAft>
+                          <a:spcPts val="600"/>
+                        </a:spcAft>
+                      </a:pPr>
+                      <a:r>
+                        <a:rPr lang="ru-RU" sz="1400">
+                          <a:solidFill>
+                            <a:srgbClr val="000000"/>
+                          </a:solidFill>
+                          <a:effectLst/>
+                          <a:latin typeface="Times New Roman" panose="02020603050405020304" pitchFamily="18" charset="0"/>
+                          <a:ea typeface="Arial" panose="020B0604020202020204" pitchFamily="34" charset="0"/>
+                          <a:cs typeface="Times New Roman" panose="02020603050405020304" pitchFamily="18" charset="0"/>
+                        </a:rPr>
+                        <a:t>Нет </a:t>
+                      </a:r>
+                      <a:endParaRPr lang="ru-RU" sz="1400">
+                        <a:effectLst/>
+                        <a:latin typeface="Arial" panose="020B0604020202020204" pitchFamily="34" charset="0"/>
+                        <a:ea typeface="Arial" panose="020B0604020202020204" pitchFamily="34" charset="0"/>
+                        <a:cs typeface="Times New Roman" panose="02020603050405020304" pitchFamily="18" charset="0"/>
+                      </a:endParaRPr>
+                    </a:p>
+                  </a:txBody>
+                  <a:tcPr marL="68580" marR="68580" marT="0" marB="0"/>
+                </a:tc>
+                <a:extLst>
+                  <a:ext uri="{0D108BD9-81ED-4DB2-BD59-A6C34878D82A}">
+                    <a16:rowId xmlns:a16="http://schemas.microsoft.com/office/drawing/2014/main" val="1771316432"/>
+                  </a:ext>
+                </a:extLst>
+              </a:tr>
+              <a:tr h="806250">
+                <a:tc>
+                  <a:txBody>
+                    <a:bodyPr/>
+                    <a:lstStyle/>
+                    <a:p>
+                      <a:pPr algn="just">
+                        <a:lnSpc>
+                          <a:spcPct val="115000"/>
+                        </a:lnSpc>
+                        <a:spcAft>
+                          <a:spcPts val="600"/>
+                        </a:spcAft>
+                      </a:pPr>
+                      <a:r>
+                        <a:rPr lang="ru-RU" sz="1400">
+                          <a:solidFill>
+                            <a:srgbClr val="000000"/>
+                          </a:solidFill>
+                          <a:effectLst/>
+                          <a:latin typeface="Times New Roman" panose="02020603050405020304" pitchFamily="18" charset="0"/>
+                          <a:ea typeface="Arial" panose="020B0604020202020204" pitchFamily="34" charset="0"/>
+                          <a:cs typeface="Times New Roman" panose="02020603050405020304" pitchFamily="18" charset="0"/>
+                        </a:rPr>
+                        <a:t>Простота использования программного средства</a:t>
+                      </a:r>
+                      <a:endParaRPr lang="ru-RU" sz="1400">
+                        <a:effectLst/>
+                        <a:latin typeface="Arial" panose="020B0604020202020204" pitchFamily="34" charset="0"/>
+                        <a:ea typeface="Arial" panose="020B0604020202020204" pitchFamily="34" charset="0"/>
+                        <a:cs typeface="Times New Roman" panose="02020603050405020304" pitchFamily="18" charset="0"/>
+                      </a:endParaRPr>
+                    </a:p>
+                  </a:txBody>
+                  <a:tcPr marL="68580" marR="68580" marT="0" marB="0"/>
                 </a:tc>
                 <a:tc>
                   <a:txBody>
@@ -6236,60 +7274,150 @@
                           <a:spcPct val="115000"/>
                         </a:lnSpc>
                         <a:spcAft>
-                          <a:spcPts val="0"/>
+                          <a:spcPts val="600"/>
                         </a:spcAft>
                       </a:pPr>
                       <a:r>
-                        <a:rPr lang="ru-RU" sz="1600" dirty="0">
-                          <a:latin typeface="Times New Roman"/>
-                          <a:ea typeface="Times New Roman"/>
-                          <a:cs typeface="Mangal"/>
+                        <a:rPr lang="ru-RU" sz="1400">
+                          <a:solidFill>
+                            <a:srgbClr val="000000"/>
+                          </a:solidFill>
+                          <a:effectLst/>
+                          <a:latin typeface="Times New Roman" panose="02020603050405020304" pitchFamily="18" charset="0"/>
+                          <a:ea typeface="Arial" panose="020B0604020202020204" pitchFamily="34" charset="0"/>
+                          <a:cs typeface="Times New Roman" panose="02020603050405020304" pitchFamily="18" charset="0"/>
                         </a:rPr>
-                        <a:t>Поддерживаемые языки </a:t>
+                        <a:t>Просто в использовании</a:t>
                       </a:r>
+                      <a:endParaRPr lang="ru-RU" sz="1400">
+                        <a:effectLst/>
+                        <a:latin typeface="Arial" panose="020B0604020202020204" pitchFamily="34" charset="0"/>
+                        <a:ea typeface="Arial" panose="020B0604020202020204" pitchFamily="34" charset="0"/>
+                        <a:cs typeface="Times New Roman" panose="02020603050405020304" pitchFamily="18" charset="0"/>
+                      </a:endParaRPr>
                     </a:p>
                   </a:txBody>
-                  <a:tcPr anchor="ctr">
-                    <a:lnL w="12700" cap="flat" cmpd="sng" algn="ctr">
-                      <a:solidFill>
-                        <a:srgbClr val="000000"/>
-                      </a:solidFill>
-                      <a:prstDash val="solid"/>
-                      <a:round/>
-                      <a:headEnd type="none" w="med" len="med"/>
-                      <a:tailEnd type="none" w="med" len="med"/>
-                    </a:lnL>
-                    <a:lnR w="12700" cap="flat" cmpd="sng" algn="ctr">
-                      <a:solidFill>
-                        <a:srgbClr val="000000"/>
-                      </a:solidFill>
-                      <a:prstDash val="solid"/>
-                      <a:round/>
-                      <a:headEnd type="none" w="med" len="med"/>
-                      <a:tailEnd type="none" w="med" len="med"/>
-                    </a:lnR>
-                    <a:lnT w="12700" cap="flat" cmpd="sng" algn="ctr">
-                      <a:solidFill>
-                        <a:srgbClr val="000000"/>
-                      </a:solidFill>
-                      <a:prstDash val="solid"/>
-                      <a:round/>
-                      <a:headEnd type="none" w="med" len="med"/>
-                      <a:tailEnd type="none" w="med" len="med"/>
-                    </a:lnT>
-                    <a:lnB w="12700" cap="flat" cmpd="sng" algn="ctr">
-                      <a:solidFill>
-                        <a:srgbClr val="000000"/>
-                      </a:solidFill>
-                      <a:prstDash val="solid"/>
-                      <a:round/>
-                      <a:headEnd type="none" w="med" len="med"/>
-                      <a:tailEnd type="none" w="med" len="med"/>
-                    </a:lnB>
+                  <a:tcPr marL="68580" marR="68580" marT="0" marB="0">
                     <a:solidFill>
                       <a:srgbClr val="E7E7E7"/>
                     </a:solidFill>
                   </a:tcPr>
+                </a:tc>
+                <a:tc>
+                  <a:txBody>
+                    <a:bodyPr/>
+                    <a:lstStyle/>
+                    <a:p>
+                      <a:pPr algn="just">
+                        <a:lnSpc>
+                          <a:spcPct val="115000"/>
+                        </a:lnSpc>
+                        <a:spcAft>
+                          <a:spcPts val="600"/>
+                        </a:spcAft>
+                      </a:pPr>
+                      <a:r>
+                        <a:rPr lang="ru-RU" sz="1400">
+                          <a:solidFill>
+                            <a:srgbClr val="000000"/>
+                          </a:solidFill>
+                          <a:effectLst/>
+                          <a:latin typeface="Times New Roman" panose="02020603050405020304" pitchFamily="18" charset="0"/>
+                          <a:ea typeface="Arial" panose="020B0604020202020204" pitchFamily="34" charset="0"/>
+                          <a:cs typeface="Times New Roman" panose="02020603050405020304" pitchFamily="18" charset="0"/>
+                        </a:rPr>
+                        <a:t>Просто в использовании</a:t>
+                      </a:r>
+                      <a:endParaRPr lang="ru-RU" sz="1400">
+                        <a:effectLst/>
+                        <a:latin typeface="Arial" panose="020B0604020202020204" pitchFamily="34" charset="0"/>
+                        <a:ea typeface="Arial" panose="020B0604020202020204" pitchFamily="34" charset="0"/>
+                        <a:cs typeface="Times New Roman" panose="02020603050405020304" pitchFamily="18" charset="0"/>
+                      </a:endParaRPr>
+                    </a:p>
+                  </a:txBody>
+                  <a:tcPr marL="68580" marR="68580" marT="0" marB="0">
+                    <a:solidFill>
+                      <a:srgbClr val="0070C0"/>
+                    </a:solidFill>
+                  </a:tcPr>
+                </a:tc>
+                <a:tc>
+                  <a:txBody>
+                    <a:bodyPr/>
+                    <a:lstStyle/>
+                    <a:p>
+                      <a:pPr algn="just">
+                        <a:lnSpc>
+                          <a:spcPct val="115000"/>
+                        </a:lnSpc>
+                        <a:spcAft>
+                          <a:spcPts val="600"/>
+                        </a:spcAft>
+                      </a:pPr>
+                      <a:r>
+                        <a:rPr lang="ru-RU" sz="1400">
+                          <a:solidFill>
+                            <a:srgbClr val="000000"/>
+                          </a:solidFill>
+                          <a:effectLst/>
+                          <a:latin typeface="Times New Roman" panose="02020603050405020304" pitchFamily="18" charset="0"/>
+                          <a:ea typeface="Arial" panose="020B0604020202020204" pitchFamily="34" charset="0"/>
+                          <a:cs typeface="Times New Roman" panose="02020603050405020304" pitchFamily="18" charset="0"/>
+                        </a:rPr>
+                        <a:t>Просто в использовании</a:t>
+                      </a:r>
+                      <a:endParaRPr lang="ru-RU" sz="1400">
+                        <a:effectLst/>
+                        <a:latin typeface="Arial" panose="020B0604020202020204" pitchFamily="34" charset="0"/>
+                        <a:ea typeface="Arial" panose="020B0604020202020204" pitchFamily="34" charset="0"/>
+                        <a:cs typeface="Times New Roman" panose="02020603050405020304" pitchFamily="18" charset="0"/>
+                      </a:endParaRPr>
+                    </a:p>
+                  </a:txBody>
+                  <a:tcPr marL="68580" marR="68580" marT="0" marB="0"/>
+                </a:tc>
+                <a:extLst>
+                  <a:ext uri="{0D108BD9-81ED-4DB2-BD59-A6C34878D82A}">
+                    <a16:rowId xmlns:a16="http://schemas.microsoft.com/office/drawing/2014/main" val="3213153962"/>
+                  </a:ext>
+                </a:extLst>
+              </a:tr>
+              <a:tr h="942466">
+                <a:tc>
+                  <a:txBody>
+                    <a:bodyPr/>
+                    <a:lstStyle/>
+                    <a:p>
+                      <a:pPr algn="just">
+                        <a:lnSpc>
+                          <a:spcPct val="115000"/>
+                        </a:lnSpc>
+                        <a:spcAft>
+                          <a:spcPts val="600"/>
+                        </a:spcAft>
+                      </a:pPr>
+                      <a:r>
+                        <a:rPr lang="ru-RU" sz="1400" dirty="0">
+                          <a:solidFill>
+                            <a:srgbClr val="000000"/>
+                          </a:solidFill>
+                          <a:effectLst/>
+                          <a:latin typeface="Times New Roman" panose="02020603050405020304" pitchFamily="18" charset="0"/>
+                          <a:ea typeface="Arial" panose="020B0604020202020204" pitchFamily="34" charset="0"/>
+                          <a:cs typeface="Times New Roman" panose="02020603050405020304" pitchFamily="18" charset="0"/>
+                        </a:rPr>
+                        <a:t>Необходимо наличие дополнительных конфигурационных файлов</a:t>
+                      </a:r>
+                      <a:endParaRPr lang="ru-RU" sz="1400" dirty="0">
+                        <a:effectLst/>
+                        <a:latin typeface="Arial" panose="020B0604020202020204" pitchFamily="34" charset="0"/>
+                        <a:ea typeface="Arial" panose="020B0604020202020204" pitchFamily="34" charset="0"/>
+                        <a:cs typeface="Times New Roman" panose="02020603050405020304" pitchFamily="18" charset="0"/>
+                      </a:endParaRPr>
+                    </a:p>
+                  </a:txBody>
+                  <a:tcPr marL="68580" marR="68580" marT="0" marB="0"/>
                 </a:tc>
                 <a:tc>
                   <a:txBody>
@@ -6301,58 +7429,32 @@
                           <a:spcPct val="115000"/>
                         </a:lnSpc>
                         <a:spcAft>
-                          <a:spcPts val="0"/>
+                          <a:spcPts val="600"/>
                         </a:spcAft>
                       </a:pPr>
                       <a:r>
-                        <a:rPr lang="ru-RU" sz="1600">
-                          <a:latin typeface="Times New Roman"/>
-                          <a:ea typeface="Times New Roman"/>
-                          <a:cs typeface="Mangal"/>
+                        <a:rPr lang="ru-RU" sz="1400" dirty="0">
+                          <a:solidFill>
+                            <a:srgbClr val="000000"/>
+                          </a:solidFill>
+                          <a:effectLst/>
+                          <a:latin typeface="Times New Roman" panose="02020603050405020304" pitchFamily="18" charset="0"/>
+                          <a:ea typeface="Arial" panose="020B0604020202020204" pitchFamily="34" charset="0"/>
+                          <a:cs typeface="Times New Roman" panose="02020603050405020304" pitchFamily="18" charset="0"/>
                         </a:rPr>
-                        <a:t>Способ использования </a:t>
+                        <a:t>Да</a:t>
                       </a:r>
+                      <a:endParaRPr lang="ru-RU" sz="1400" dirty="0">
+                        <a:effectLst/>
+                        <a:latin typeface="Arial" panose="020B0604020202020204" pitchFamily="34" charset="0"/>
+                        <a:ea typeface="Arial" panose="020B0604020202020204" pitchFamily="34" charset="0"/>
+                        <a:cs typeface="Times New Roman" panose="02020603050405020304" pitchFamily="18" charset="0"/>
+                      </a:endParaRPr>
                     </a:p>
                   </a:txBody>
-                  <a:tcPr anchor="ctr">
-                    <a:lnL w="12700" cap="flat" cmpd="sng" algn="ctr">
-                      <a:solidFill>
-                        <a:srgbClr val="000000"/>
-                      </a:solidFill>
-                      <a:prstDash val="solid"/>
-                      <a:round/>
-                      <a:headEnd type="none" w="med" len="med"/>
-                      <a:tailEnd type="none" w="med" len="med"/>
-                    </a:lnL>
-                    <a:lnR w="12700" cap="flat" cmpd="sng" algn="ctr">
-                      <a:solidFill>
-                        <a:srgbClr val="000000"/>
-                      </a:solidFill>
-                      <a:prstDash val="solid"/>
-                      <a:round/>
-                      <a:headEnd type="none" w="med" len="med"/>
-                      <a:tailEnd type="none" w="med" len="med"/>
-                    </a:lnR>
-                    <a:lnT w="12700" cap="flat" cmpd="sng" algn="ctr">
-                      <a:solidFill>
-                        <a:srgbClr val="000000"/>
-                      </a:solidFill>
-                      <a:prstDash val="solid"/>
-                      <a:round/>
-                      <a:headEnd type="none" w="med" len="med"/>
-                      <a:tailEnd type="none" w="med" len="med"/>
-                    </a:lnT>
-                    <a:lnB w="12700" cap="flat" cmpd="sng" algn="ctr">
-                      <a:solidFill>
-                        <a:srgbClr val="000000"/>
-                      </a:solidFill>
-                      <a:prstDash val="solid"/>
-                      <a:round/>
-                      <a:headEnd type="none" w="med" len="med"/>
-                      <a:tailEnd type="none" w="med" len="med"/>
-                    </a:lnB>
+                  <a:tcPr marL="68580" marR="68580" marT="0" marB="0">
                     <a:solidFill>
-                      <a:srgbClr val="E7E7E7"/>
+                      <a:srgbClr val="CBCBCB"/>
                     </a:solidFill>
                   </a:tcPr>
                 </a:tc>
@@ -6361,376 +7463,35 @@
                     <a:bodyPr/>
                     <a:lstStyle/>
                     <a:p>
-                      <a:pPr>
+                      <a:pPr algn="just">
                         <a:lnSpc>
                           <a:spcPct val="115000"/>
                         </a:lnSpc>
                         <a:spcAft>
-                          <a:spcPts val="0"/>
+                          <a:spcPts val="600"/>
                         </a:spcAft>
                       </a:pPr>
                       <a:r>
-                        <a:rPr lang="ru-RU" sz="1600">
-                          <a:latin typeface="Times New Roman"/>
-                          <a:ea typeface="Times New Roman"/>
-                          <a:cs typeface="Mangal"/>
+                        <a:rPr lang="ru-RU" sz="1400" dirty="0">
+                          <a:solidFill>
+                            <a:srgbClr val="000000"/>
+                          </a:solidFill>
+                          <a:effectLst/>
+                          <a:latin typeface="Times New Roman" panose="02020603050405020304" pitchFamily="18" charset="0"/>
+                          <a:ea typeface="Arial" panose="020B0604020202020204" pitchFamily="34" charset="0"/>
+                          <a:cs typeface="Times New Roman" panose="02020603050405020304" pitchFamily="18" charset="0"/>
                         </a:rPr>
-                        <a:t>Год выпуска </a:t>
+                        <a:t>Нет</a:t>
                       </a:r>
-                    </a:p>
-                  </a:txBody>
-                  <a:tcPr anchor="ctr">
-                    <a:lnL w="12700" cap="flat" cmpd="sng" algn="ctr">
-                      <a:solidFill>
-                        <a:srgbClr val="000000"/>
-                      </a:solidFill>
-                      <a:prstDash val="solid"/>
-                      <a:round/>
-                      <a:headEnd type="none" w="med" len="med"/>
-                      <a:tailEnd type="none" w="med" len="med"/>
-                    </a:lnL>
-                    <a:lnR w="12700" cap="flat" cmpd="sng" algn="ctr">
-                      <a:solidFill>
-                        <a:srgbClr val="000000"/>
-                      </a:solidFill>
-                      <a:prstDash val="solid"/>
-                      <a:round/>
-                      <a:headEnd type="none" w="med" len="med"/>
-                      <a:tailEnd type="none" w="med" len="med"/>
-                    </a:lnR>
-                    <a:lnT w="12700" cap="flat" cmpd="sng" algn="ctr">
-                      <a:solidFill>
-                        <a:srgbClr val="000000"/>
-                      </a:solidFill>
-                      <a:prstDash val="solid"/>
-                      <a:round/>
-                      <a:headEnd type="none" w="med" len="med"/>
-                      <a:tailEnd type="none" w="med" len="med"/>
-                    </a:lnT>
-                    <a:lnB w="12700" cap="flat" cmpd="sng" algn="ctr">
-                      <a:solidFill>
-                        <a:srgbClr val="000000"/>
-                      </a:solidFill>
-                      <a:prstDash val="solid"/>
-                      <a:round/>
-                      <a:headEnd type="none" w="med" len="med"/>
-                      <a:tailEnd type="none" w="med" len="med"/>
-                    </a:lnB>
-                    <a:solidFill>
-                      <a:srgbClr val="E7E7E7"/>
-                    </a:solidFill>
-                  </a:tcPr>
-                </a:tc>
-                <a:extLst>
-                  <a:ext uri="{0D108BD9-81ED-4DB2-BD59-A6C34878D82A}">
-                    <a16:rowId xmlns:a16="http://schemas.microsoft.com/office/drawing/2014/main" val="10000"/>
-                  </a:ext>
-                </a:extLst>
-              </a:tr>
-              <a:tr h="641993">
-                <a:tc>
-                  <a:txBody>
-                    <a:bodyPr/>
-                    <a:lstStyle/>
-                    <a:p>
-                      <a:pPr>
-                        <a:lnSpc>
-                          <a:spcPct val="115000"/>
-                        </a:lnSpc>
-                        <a:spcAft>
-                          <a:spcPts val="0"/>
-                        </a:spcAft>
-                      </a:pPr>
-                      <a:endParaRPr lang="ru-RU" sz="1600" baseline="30000" dirty="0">
-                        <a:latin typeface="Times New Roman"/>
-                        <a:ea typeface="Times New Roman"/>
-                        <a:cs typeface="Mangal"/>
+                      <a:endParaRPr lang="ru-RU" sz="1400" dirty="0">
+                        <a:effectLst/>
+                        <a:latin typeface="Arial" panose="020B0604020202020204" pitchFamily="34" charset="0"/>
+                        <a:ea typeface="Arial" panose="020B0604020202020204" pitchFamily="34" charset="0"/>
+                        <a:cs typeface="Times New Roman" panose="02020603050405020304" pitchFamily="18" charset="0"/>
                       </a:endParaRPr>
                     </a:p>
                   </a:txBody>
-                  <a:tcPr anchor="ctr">
-                    <a:lnL w="12700" cap="flat" cmpd="sng" algn="ctr">
-                      <a:solidFill>
-                        <a:srgbClr val="000000"/>
-                      </a:solidFill>
-                      <a:prstDash val="solid"/>
-                      <a:round/>
-                      <a:headEnd type="none" w="med" len="med"/>
-                      <a:tailEnd type="none" w="med" len="med"/>
-                    </a:lnL>
-                    <a:lnR w="12700" cap="flat" cmpd="sng" algn="ctr">
-                      <a:solidFill>
-                        <a:srgbClr val="000000"/>
-                      </a:solidFill>
-                      <a:prstDash val="solid"/>
-                      <a:round/>
-                      <a:headEnd type="none" w="med" len="med"/>
-                      <a:tailEnd type="none" w="med" len="med"/>
-                    </a:lnR>
-                    <a:lnT w="12700" cap="flat" cmpd="sng" algn="ctr">
-                      <a:solidFill>
-                        <a:srgbClr val="000000"/>
-                      </a:solidFill>
-                      <a:prstDash val="solid"/>
-                      <a:round/>
-                      <a:headEnd type="none" w="med" len="med"/>
-                      <a:tailEnd type="none" w="med" len="med"/>
-                    </a:lnT>
-                    <a:lnB w="12700" cap="flat" cmpd="sng" algn="ctr">
-                      <a:solidFill>
-                        <a:srgbClr val="000000"/>
-                      </a:solidFill>
-                      <a:prstDash val="solid"/>
-                      <a:round/>
-                      <a:headEnd type="none" w="med" len="med"/>
-                      <a:tailEnd type="none" w="med" len="med"/>
-                    </a:lnB>
-                    <a:solidFill>
-                      <a:srgbClr val="E7E7E7"/>
-                    </a:solidFill>
-                  </a:tcPr>
-                </a:tc>
-                <a:tc>
-                  <a:txBody>
-                    <a:bodyPr/>
-                    <a:lstStyle/>
-                    <a:p>
-                      <a:endParaRPr lang="ru-RU"/>
-                    </a:p>
-                  </a:txBody>
-                  <a:tcPr anchor="ctr">
-                    <a:lnL w="12700" cap="flat" cmpd="sng" algn="ctr">
-                      <a:solidFill>
-                        <a:srgbClr val="000000"/>
-                      </a:solidFill>
-                      <a:prstDash val="solid"/>
-                      <a:round/>
-                      <a:headEnd type="none" w="med" len="med"/>
-                      <a:tailEnd type="none" w="med" len="med"/>
-                    </a:lnL>
-                    <a:lnR w="12700" cap="flat" cmpd="sng" algn="ctr">
-                      <a:solidFill>
-                        <a:srgbClr val="000000"/>
-                      </a:solidFill>
-                      <a:prstDash val="solid"/>
-                      <a:round/>
-                      <a:headEnd type="none" w="med" len="med"/>
-                      <a:tailEnd type="none" w="med" len="med"/>
-                    </a:lnR>
-                    <a:lnT w="12700" cap="flat" cmpd="sng" algn="ctr">
-                      <a:solidFill>
-                        <a:srgbClr val="000000"/>
-                      </a:solidFill>
-                      <a:prstDash val="solid"/>
-                      <a:round/>
-                      <a:headEnd type="none" w="med" len="med"/>
-                      <a:tailEnd type="none" w="med" len="med"/>
-                    </a:lnT>
-                    <a:lnB w="12700" cap="flat" cmpd="sng" algn="ctr">
-                      <a:solidFill>
-                        <a:srgbClr val="000000"/>
-                      </a:solidFill>
-                      <a:prstDash val="solid"/>
-                      <a:round/>
-                      <a:headEnd type="none" w="med" len="med"/>
-                      <a:tailEnd type="none" w="med" len="med"/>
-                    </a:lnB>
-                    <a:solidFill>
-                      <a:srgbClr val="E7E7E7"/>
-                    </a:solidFill>
-                  </a:tcPr>
-                </a:tc>
-                <a:tc>
-                  <a:txBody>
-                    <a:bodyPr/>
-                    <a:lstStyle/>
-                    <a:p>
-                      <a:pPr>
-                        <a:lnSpc>
-                          <a:spcPct val="115000"/>
-                        </a:lnSpc>
-                        <a:spcAft>
-                          <a:spcPts val="0"/>
-                        </a:spcAft>
-                      </a:pPr>
-                      <a:endParaRPr lang="ru-RU" sz="1600" dirty="0">
-                        <a:latin typeface="Times New Roman"/>
-                        <a:ea typeface="Times New Roman"/>
-                        <a:cs typeface="Mangal"/>
-                      </a:endParaRPr>
-                    </a:p>
-                  </a:txBody>
-                  <a:tcPr anchor="ctr">
-                    <a:lnL w="12700" cap="flat" cmpd="sng" algn="ctr">
-                      <a:solidFill>
-                        <a:srgbClr val="000000"/>
-                      </a:solidFill>
-                      <a:prstDash val="solid"/>
-                      <a:round/>
-                      <a:headEnd type="none" w="med" len="med"/>
-                      <a:tailEnd type="none" w="med" len="med"/>
-                    </a:lnL>
-                    <a:lnR w="12700" cap="flat" cmpd="sng" algn="ctr">
-                      <a:solidFill>
-                        <a:srgbClr val="000000"/>
-                      </a:solidFill>
-                      <a:prstDash val="solid"/>
-                      <a:round/>
-                      <a:headEnd type="none" w="med" len="med"/>
-                      <a:tailEnd type="none" w="med" len="med"/>
-                    </a:lnR>
-                    <a:lnT w="12700" cap="flat" cmpd="sng" algn="ctr">
-                      <a:solidFill>
-                        <a:srgbClr val="000000"/>
-                      </a:solidFill>
-                      <a:prstDash val="solid"/>
-                      <a:round/>
-                      <a:headEnd type="none" w="med" len="med"/>
-                      <a:tailEnd type="none" w="med" len="med"/>
-                    </a:lnT>
-                    <a:lnB w="12700" cap="flat" cmpd="sng" algn="ctr">
-                      <a:solidFill>
-                        <a:srgbClr val="000000"/>
-                      </a:solidFill>
-                      <a:prstDash val="solid"/>
-                      <a:round/>
-                      <a:headEnd type="none" w="med" len="med"/>
-                      <a:tailEnd type="none" w="med" len="med"/>
-                    </a:lnB>
-                    <a:solidFill>
-                      <a:srgbClr val="E7E7E7"/>
-                    </a:solidFill>
-                  </a:tcPr>
-                </a:tc>
-                <a:tc>
-                  <a:txBody>
-                    <a:bodyPr/>
-                    <a:lstStyle/>
-                    <a:p>
-                      <a:pPr>
-                        <a:lnSpc>
-                          <a:spcPct val="115000"/>
-                        </a:lnSpc>
-                        <a:spcAft>
-                          <a:spcPts val="0"/>
-                        </a:spcAft>
-                      </a:pPr>
-                      <a:endParaRPr lang="ru-RU" sz="1600" dirty="0">
-                        <a:latin typeface="Times New Roman"/>
-                        <a:ea typeface="Times New Roman"/>
-                        <a:cs typeface="Mangal"/>
-                      </a:endParaRPr>
-                    </a:p>
-                  </a:txBody>
-                  <a:tcPr anchor="ctr">
-                    <a:lnL w="12700" cap="flat" cmpd="sng" algn="ctr">
-                      <a:solidFill>
-                        <a:srgbClr val="000000"/>
-                      </a:solidFill>
-                      <a:prstDash val="solid"/>
-                      <a:round/>
-                      <a:headEnd type="none" w="med" len="med"/>
-                      <a:tailEnd type="none" w="med" len="med"/>
-                    </a:lnL>
-                    <a:lnR w="12700" cap="flat" cmpd="sng" algn="ctr">
-                      <a:solidFill>
-                        <a:srgbClr val="000000"/>
-                      </a:solidFill>
-                      <a:prstDash val="solid"/>
-                      <a:round/>
-                      <a:headEnd type="none" w="med" len="med"/>
-                      <a:tailEnd type="none" w="med" len="med"/>
-                    </a:lnR>
-                    <a:lnT w="12700" cap="flat" cmpd="sng" algn="ctr">
-                      <a:solidFill>
-                        <a:srgbClr val="000000"/>
-                      </a:solidFill>
-                      <a:prstDash val="solid"/>
-                      <a:round/>
-                      <a:headEnd type="none" w="med" len="med"/>
-                      <a:tailEnd type="none" w="med" len="med"/>
-                    </a:lnT>
-                    <a:lnB w="12700" cap="flat" cmpd="sng" algn="ctr">
-                      <a:solidFill>
-                        <a:srgbClr val="000000"/>
-                      </a:solidFill>
-                      <a:prstDash val="solid"/>
-                      <a:round/>
-                      <a:headEnd type="none" w="med" len="med"/>
-                      <a:tailEnd type="none" w="med" len="med"/>
-                    </a:lnB>
-                    <a:solidFill>
-                      <a:srgbClr val="E7E7E7"/>
-                    </a:solidFill>
-                  </a:tcPr>
-                </a:tc>
-                <a:extLst>
-                  <a:ext uri="{0D108BD9-81ED-4DB2-BD59-A6C34878D82A}">
-                    <a16:rowId xmlns:a16="http://schemas.microsoft.com/office/drawing/2014/main" val="10001"/>
-                  </a:ext>
-                </a:extLst>
-              </a:tr>
-              <a:tr h="963700">
-                <a:tc>
-                  <a:txBody>
-                    <a:bodyPr/>
-                    <a:lstStyle/>
-                    <a:p>
-                      <a:pPr>
-                        <a:lnSpc>
-                          <a:spcPct val="115000"/>
-                        </a:lnSpc>
-                        <a:spcAft>
-                          <a:spcPts val="0"/>
-                        </a:spcAft>
-                      </a:pPr>
-                      <a:endParaRPr lang="ru-RU" sz="1800" b="1" u="none" dirty="0">
-                        <a:solidFill>
-                          <a:schemeClr val="bg1"/>
-                        </a:solidFill>
-                        <a:latin typeface="Times New Roman"/>
-                        <a:ea typeface="Times New Roman"/>
-                        <a:cs typeface="Mangal"/>
-                      </a:endParaRPr>
-                    </a:p>
-                  </a:txBody>
-                  <a:tcPr anchor="ctr">
-                    <a:lnL w="12700" cap="flat" cmpd="sng" algn="ctr">
-                      <a:solidFill>
-                        <a:srgbClr val="000000"/>
-                      </a:solidFill>
-                      <a:prstDash val="solid"/>
-                      <a:round/>
-                      <a:headEnd type="none" w="med" len="med"/>
-                      <a:tailEnd type="none" w="med" len="med"/>
-                    </a:lnL>
-                    <a:lnR w="12700" cap="flat" cmpd="sng" algn="ctr">
-                      <a:solidFill>
-                        <a:srgbClr val="000000"/>
-                      </a:solidFill>
-                      <a:prstDash val="solid"/>
-                      <a:round/>
-                      <a:headEnd type="none" w="med" len="med"/>
-                      <a:tailEnd type="none" w="med" len="med"/>
-                    </a:lnR>
-                    <a:lnT w="12700" cap="flat" cmpd="sng" algn="ctr">
-                      <a:solidFill>
-                        <a:srgbClr val="000000"/>
-                      </a:solidFill>
-                      <a:prstDash val="solid"/>
-                      <a:round/>
-                      <a:headEnd type="none" w="med" len="med"/>
-                      <a:tailEnd type="none" w="med" len="med"/>
-                    </a:lnT>
-                    <a:lnB w="12700" cap="flat" cmpd="sng" algn="ctr">
-                      <a:solidFill>
-                        <a:srgbClr val="000000"/>
-                      </a:solidFill>
-                      <a:prstDash val="solid"/>
-                      <a:round/>
-                      <a:headEnd type="none" w="med" len="med"/>
-                      <a:tailEnd type="none" w="med" len="med"/>
-                    </a:lnB>
+                  <a:tcPr marL="68580" marR="68580" marT="0" marB="0">
                     <a:solidFill>
                       <a:srgbClr val="0070C0"/>
                     </a:solidFill>
@@ -6741,184 +7502,39 @@
                     <a:bodyPr/>
                     <a:lstStyle/>
                     <a:p>
-                      <a:endParaRPr lang="ru-RU" dirty="0"/>
-                    </a:p>
-                  </a:txBody>
-                  <a:tcPr anchor="ctr">
-                    <a:lnL w="12700" cap="flat" cmpd="sng" algn="ctr">
-                      <a:solidFill>
-                        <a:srgbClr val="000000"/>
-                      </a:solidFill>
-                      <a:prstDash val="solid"/>
-                      <a:round/>
-                      <a:headEnd type="none" w="med" len="med"/>
-                      <a:tailEnd type="none" w="med" len="med"/>
-                    </a:lnL>
-                    <a:lnR w="12700" cap="flat" cmpd="sng" algn="ctr">
-                      <a:solidFill>
-                        <a:srgbClr val="000000"/>
-                      </a:solidFill>
-                      <a:prstDash val="solid"/>
-                      <a:round/>
-                      <a:headEnd type="none" w="med" len="med"/>
-                      <a:tailEnd type="none" w="med" len="med"/>
-                    </a:lnR>
-                    <a:lnT w="12700" cap="flat" cmpd="sng" algn="ctr">
-                      <a:solidFill>
-                        <a:srgbClr val="000000"/>
-                      </a:solidFill>
-                      <a:prstDash val="solid"/>
-                      <a:round/>
-                      <a:headEnd type="none" w="med" len="med"/>
-                      <a:tailEnd type="none" w="med" len="med"/>
-                    </a:lnT>
-                    <a:lnB w="12700" cap="flat" cmpd="sng" algn="ctr">
-                      <a:solidFill>
-                        <a:srgbClr val="000000"/>
-                      </a:solidFill>
-                      <a:prstDash val="solid"/>
-                      <a:round/>
-                      <a:headEnd type="none" w="med" len="med"/>
-                      <a:tailEnd type="none" w="med" len="med"/>
-                    </a:lnB>
-                    <a:solidFill>
-                      <a:srgbClr val="0070C0"/>
-                    </a:solidFill>
-                  </a:tcPr>
-                </a:tc>
-                <a:tc>
-                  <a:txBody>
-                    <a:bodyPr/>
-                    <a:lstStyle/>
-                    <a:p>
-                      <a:pPr>
+                      <a:pPr algn="just">
                         <a:lnSpc>
                           <a:spcPct val="115000"/>
                         </a:lnSpc>
                         <a:spcAft>
-                          <a:spcPts val="0"/>
+                          <a:spcPts val="600"/>
                         </a:spcAft>
                       </a:pPr>
-                      <a:endParaRPr lang="ru-RU" sz="1800" b="1" dirty="0">
-                        <a:solidFill>
-                          <a:schemeClr val="bg1"/>
-                        </a:solidFill>
-                        <a:latin typeface="Times New Roman"/>
-                        <a:ea typeface="Times New Roman"/>
-                        <a:cs typeface="Mangal"/>
+                      <a:r>
+                        <a:rPr lang="ru-RU" sz="1400" dirty="0">
+                          <a:solidFill>
+                            <a:srgbClr val="000000"/>
+                          </a:solidFill>
+                          <a:effectLst/>
+                          <a:latin typeface="Times New Roman" panose="02020603050405020304" pitchFamily="18" charset="0"/>
+                          <a:ea typeface="Arial" panose="020B0604020202020204" pitchFamily="34" charset="0"/>
+                          <a:cs typeface="Times New Roman" panose="02020603050405020304" pitchFamily="18" charset="0"/>
+                        </a:rPr>
+                        <a:t>Нет</a:t>
+                      </a:r>
+                      <a:endParaRPr lang="ru-RU" sz="1400" dirty="0">
+                        <a:effectLst/>
+                        <a:latin typeface="Arial" panose="020B0604020202020204" pitchFamily="34" charset="0"/>
+                        <a:ea typeface="Arial" panose="020B0604020202020204" pitchFamily="34" charset="0"/>
+                        <a:cs typeface="Times New Roman" panose="02020603050405020304" pitchFamily="18" charset="0"/>
                       </a:endParaRPr>
                     </a:p>
                   </a:txBody>
-                  <a:tcPr anchor="ctr">
-                    <a:lnL w="12700" cap="flat" cmpd="sng" algn="ctr">
-                      <a:solidFill>
-                        <a:srgbClr val="000000"/>
-                      </a:solidFill>
-                      <a:prstDash val="solid"/>
-                      <a:round/>
-                      <a:headEnd type="none" w="med" len="med"/>
-                      <a:tailEnd type="none" w="med" len="med"/>
-                    </a:lnL>
-                    <a:lnR w="12700" cap="flat" cmpd="sng" algn="ctr">
-                      <a:solidFill>
-                        <a:srgbClr val="000000"/>
-                      </a:solidFill>
-                      <a:prstDash val="solid"/>
-                      <a:round/>
-                      <a:headEnd type="none" w="med" len="med"/>
-                      <a:tailEnd type="none" w="med" len="med"/>
-                    </a:lnR>
-                    <a:lnT w="12700" cap="flat" cmpd="sng" algn="ctr">
-                      <a:solidFill>
-                        <a:srgbClr val="000000"/>
-                      </a:solidFill>
-                      <a:prstDash val="solid"/>
-                      <a:round/>
-                      <a:headEnd type="none" w="med" len="med"/>
-                      <a:tailEnd type="none" w="med" len="med"/>
-                    </a:lnT>
-                    <a:lnB w="12700" cap="flat" cmpd="sng" algn="ctr">
-                      <a:solidFill>
-                        <a:srgbClr val="000000"/>
-                      </a:solidFill>
-                      <a:prstDash val="solid"/>
-                      <a:round/>
-                      <a:headEnd type="none" w="med" len="med"/>
-                      <a:tailEnd type="none" w="med" len="med"/>
-                    </a:lnB>
-                    <a:solidFill>
-                      <a:srgbClr val="0070C0"/>
-                    </a:solidFill>
-                  </a:tcPr>
-                </a:tc>
-                <a:tc>
-                  <a:txBody>
-                    <a:bodyPr/>
-                    <a:lstStyle/>
-                    <a:p>
-                      <a:pPr>
-                        <a:lnSpc>
-                          <a:spcPct val="115000"/>
-                        </a:lnSpc>
-                        <a:spcAft>
-                          <a:spcPts val="0"/>
-                        </a:spcAft>
-                      </a:pPr>
-                      <a:endParaRPr lang="ru-RU" sz="1800" b="1" dirty="0">
-                        <a:solidFill>
-                          <a:schemeClr val="bg1"/>
-                        </a:solidFill>
-                        <a:latin typeface="Times New Roman"/>
-                        <a:ea typeface="Times New Roman"/>
-                        <a:cs typeface="Mangal"/>
-                      </a:endParaRPr>
-                    </a:p>
-                  </a:txBody>
-                  <a:tcPr anchor="ctr">
-                    <a:lnL w="12700" cap="flat" cmpd="sng" algn="ctr">
-                      <a:solidFill>
-                        <a:srgbClr val="000000"/>
-                      </a:solidFill>
-                      <a:prstDash val="solid"/>
-                      <a:round/>
-                      <a:headEnd type="none" w="med" len="med"/>
-                      <a:tailEnd type="none" w="med" len="med"/>
-                    </a:lnL>
-                    <a:lnR w="12700" cap="flat" cmpd="sng" algn="ctr">
-                      <a:solidFill>
-                        <a:srgbClr val="000000"/>
-                      </a:solidFill>
-                      <a:prstDash val="solid"/>
-                      <a:round/>
-                      <a:headEnd type="none" w="med" len="med"/>
-                      <a:tailEnd type="none" w="med" len="med"/>
-                    </a:lnR>
-                    <a:lnT w="12700" cap="flat" cmpd="sng" algn="ctr">
-                      <a:solidFill>
-                        <a:srgbClr val="000000"/>
-                      </a:solidFill>
-                      <a:prstDash val="solid"/>
-                      <a:round/>
-                      <a:headEnd type="none" w="med" len="med"/>
-                      <a:tailEnd type="none" w="med" len="med"/>
-                    </a:lnT>
-                    <a:lnB w="12700" cap="flat" cmpd="sng" algn="ctr">
-                      <a:solidFill>
-                        <a:srgbClr val="000000"/>
-                      </a:solidFill>
-                      <a:prstDash val="solid"/>
-                      <a:round/>
-                      <a:headEnd type="none" w="med" len="med"/>
-                      <a:tailEnd type="none" w="med" len="med"/>
-                    </a:lnB>
-                    <a:solidFill>
-                      <a:srgbClr val="0070C0"/>
-                    </a:solidFill>
-                  </a:tcPr>
+                  <a:tcPr marL="68580" marR="68580" marT="0" marB="0"/>
                 </a:tc>
                 <a:extLst>
                   <a:ext uri="{0D108BD9-81ED-4DB2-BD59-A6C34878D82A}">
-                    <a16:rowId xmlns:a16="http://schemas.microsoft.com/office/drawing/2014/main" val="10002"/>
+                    <a16:rowId xmlns:a16="http://schemas.microsoft.com/office/drawing/2014/main" val="1269765101"/>
                   </a:ext>
                 </a:extLst>
               </a:tr>
@@ -7837,7 +8453,7 @@
           <p:nvPr>
             <p:extLst>
               <p:ext uri="{D42A27DB-BD31-4B8C-83A1-F6EECF244321}">
-                <p14:modId xmlns:p14="http://schemas.microsoft.com/office/powerpoint/2010/main" val="3164688385"/>
+                <p14:modId xmlns:p14="http://schemas.microsoft.com/office/powerpoint/2010/main" val="729825069"/>
               </p:ext>
             </p:extLst>
           </p:nvPr>
@@ -7939,7 +8555,7 @@
                         </a:spcAft>
                       </a:pPr>
                       <a:r>
-                        <a:rPr lang="ru-RU" sz="1400">
+                        <a:rPr lang="ru-RU" sz="1400" dirty="0">
                           <a:solidFill>
                             <a:srgbClr val="000000"/>
                           </a:solidFill>
@@ -7950,7 +8566,7 @@
                         </a:rPr>
                         <a:t>С</a:t>
                       </a:r>
-                      <a:endParaRPr lang="ru-RU" sz="1400">
+                      <a:endParaRPr lang="ru-RU" sz="1400" dirty="0">
                         <a:effectLst/>
                         <a:latin typeface="Arial" panose="020B0604020202020204" pitchFamily="34" charset="0"/>
                         <a:ea typeface="Arial" panose="020B0604020202020204" pitchFamily="34" charset="0"/>
@@ -7960,7 +8576,7 @@
                   </a:txBody>
                   <a:tcPr marL="68580" marR="68580" marT="0" marB="0">
                     <a:solidFill>
-                      <a:srgbClr val="0070C0"/>
+                      <a:srgbClr val="E7E7E7"/>
                     </a:solidFill>
                   </a:tcPr>
                 </a:tc>
@@ -7978,7 +8594,7 @@
                         </a:spcAft>
                       </a:pPr>
                       <a:r>
-                        <a:rPr lang="ru-RU" sz="1400">
+                        <a:rPr lang="ru-RU" sz="1400" dirty="0">
                           <a:solidFill>
                             <a:srgbClr val="000000"/>
                           </a:solidFill>
@@ -7989,7 +8605,7 @@
                         </a:rPr>
                         <a:t>С++</a:t>
                       </a:r>
-                      <a:endParaRPr lang="ru-RU" sz="1400">
+                      <a:endParaRPr lang="ru-RU" sz="1400" dirty="0">
                         <a:effectLst/>
                         <a:latin typeface="Arial" panose="020B0604020202020204" pitchFamily="34" charset="0"/>
                         <a:ea typeface="Arial" panose="020B0604020202020204" pitchFamily="34" charset="0"/>
@@ -7997,7 +8613,11 @@
                       </a:endParaRPr>
                     </a:p>
                   </a:txBody>
-                  <a:tcPr marL="68580" marR="68580" marT="0" marB="0"/>
+                  <a:tcPr marL="68580" marR="68580" marT="0" marB="0">
+                    <a:solidFill>
+                      <a:srgbClr val="0070C0"/>
+                    </a:solidFill>
+                  </a:tcPr>
                 </a:tc>
                 <a:tc>
                   <a:txBody>
@@ -8137,7 +8757,7 @@
                         </a:spcAft>
                       </a:pPr>
                       <a:r>
-                        <a:rPr lang="ru-RU" sz="1400">
+                        <a:rPr lang="ru-RU" sz="1400" dirty="0">
                           <a:solidFill>
                             <a:srgbClr val="000000"/>
                           </a:solidFill>
@@ -8148,7 +8768,7 @@
                         </a:rPr>
                         <a:t>+-</a:t>
                       </a:r>
-                      <a:endParaRPr lang="ru-RU" sz="1400">
+                      <a:endParaRPr lang="ru-RU" sz="1400" dirty="0">
                         <a:effectLst/>
                         <a:latin typeface="Arial" panose="020B0604020202020204" pitchFamily="34" charset="0"/>
                         <a:ea typeface="Arial" panose="020B0604020202020204" pitchFamily="34" charset="0"/>
@@ -8158,7 +8778,7 @@
                   </a:txBody>
                   <a:tcPr marL="68580" marR="68580" marT="0" marB="0">
                     <a:solidFill>
-                      <a:srgbClr val="0070C0"/>
+                      <a:srgbClr val="CBCBCB"/>
                     </a:solidFill>
                   </a:tcPr>
                 </a:tc>
@@ -8176,7 +8796,7 @@
                         </a:spcAft>
                       </a:pPr>
                       <a:r>
-                        <a:rPr lang="ru-RU" sz="1400">
+                        <a:rPr lang="ru-RU" sz="1400" dirty="0">
                           <a:solidFill>
                             <a:srgbClr val="000000"/>
                           </a:solidFill>
@@ -8187,7 +8807,7 @@
                         </a:rPr>
                         <a:t>+</a:t>
                       </a:r>
-                      <a:endParaRPr lang="ru-RU" sz="1400">
+                      <a:endParaRPr lang="ru-RU" sz="1400" dirty="0">
                         <a:effectLst/>
                         <a:latin typeface="Arial" panose="020B0604020202020204" pitchFamily="34" charset="0"/>
                         <a:ea typeface="Arial" panose="020B0604020202020204" pitchFamily="34" charset="0"/>
@@ -8195,7 +8815,11 @@
                       </a:endParaRPr>
                     </a:p>
                   </a:txBody>
-                  <a:tcPr marL="68580" marR="68580" marT="0" marB="0"/>
+                  <a:tcPr marL="68580" marR="68580" marT="0" marB="0">
+                    <a:solidFill>
+                      <a:srgbClr val="0070C0"/>
+                    </a:solidFill>
+                  </a:tcPr>
                 </a:tc>
                 <a:tc>
                   <a:txBody>
@@ -8335,7 +8959,7 @@
                         </a:spcAft>
                       </a:pPr>
                       <a:r>
-                        <a:rPr lang="ru-RU" sz="1400">
+                        <a:rPr lang="ru-RU" sz="1400" dirty="0">
                           <a:solidFill>
                             <a:srgbClr val="000000"/>
                           </a:solidFill>
@@ -8346,7 +8970,7 @@
                         </a:rPr>
                         <a:t>+</a:t>
                       </a:r>
-                      <a:endParaRPr lang="ru-RU" sz="1400">
+                      <a:endParaRPr lang="ru-RU" sz="1400" dirty="0">
                         <a:effectLst/>
                         <a:latin typeface="Arial" panose="020B0604020202020204" pitchFamily="34" charset="0"/>
                         <a:ea typeface="Arial" panose="020B0604020202020204" pitchFamily="34" charset="0"/>
@@ -8356,7 +8980,7 @@
                   </a:txBody>
                   <a:tcPr marL="68580" marR="68580" marT="0" marB="0">
                     <a:solidFill>
-                      <a:srgbClr val="0070C0"/>
+                      <a:srgbClr val="E7E7E7"/>
                     </a:solidFill>
                   </a:tcPr>
                 </a:tc>
@@ -8374,7 +8998,7 @@
                         </a:spcAft>
                       </a:pPr>
                       <a:r>
-                        <a:rPr lang="ru-RU" sz="1400">
+                        <a:rPr lang="ru-RU" sz="1400" dirty="0">
                           <a:solidFill>
                             <a:srgbClr val="000000"/>
                           </a:solidFill>
@@ -8385,7 +9009,7 @@
                         </a:rPr>
                         <a:t>+</a:t>
                       </a:r>
-                      <a:endParaRPr lang="ru-RU" sz="1400">
+                      <a:endParaRPr lang="ru-RU" sz="1400" dirty="0">
                         <a:effectLst/>
                         <a:latin typeface="Arial" panose="020B0604020202020204" pitchFamily="34" charset="0"/>
                         <a:ea typeface="Arial" panose="020B0604020202020204" pitchFamily="34" charset="0"/>
@@ -8393,7 +9017,11 @@
                       </a:endParaRPr>
                     </a:p>
                   </a:txBody>
-                  <a:tcPr marL="68580" marR="68580" marT="0" marB="0"/>
+                  <a:tcPr marL="68580" marR="68580" marT="0" marB="0">
+                    <a:solidFill>
+                      <a:srgbClr val="0070C0"/>
+                    </a:solidFill>
+                  </a:tcPr>
                 </a:tc>
                 <a:tc>
                   <a:txBody>
@@ -8545,7 +9173,7 @@
                         </a:spcAft>
                       </a:pPr>
                       <a:r>
-                        <a:rPr lang="ru-RU" sz="1400">
+                        <a:rPr lang="ru-RU" sz="1400" dirty="0">
                           <a:solidFill>
                             <a:srgbClr val="000000"/>
                           </a:solidFill>
@@ -8556,7 +9184,46 @@
                         </a:rPr>
                         <a:t>+</a:t>
                       </a:r>
-                      <a:endParaRPr lang="ru-RU" sz="1400">
+                      <a:endParaRPr lang="ru-RU" sz="1400" dirty="0">
+                        <a:effectLst/>
+                        <a:latin typeface="Arial" panose="020B0604020202020204" pitchFamily="34" charset="0"/>
+                        <a:ea typeface="Arial" panose="020B0604020202020204" pitchFamily="34" charset="0"/>
+                        <a:cs typeface="Times New Roman" panose="02020603050405020304" pitchFamily="18" charset="0"/>
+                      </a:endParaRPr>
+                    </a:p>
+                  </a:txBody>
+                  <a:tcPr marL="68580" marR="68580" marT="0" marB="0">
+                    <a:solidFill>
+                      <a:srgbClr val="CBCBCB"/>
+                    </a:solidFill>
+                  </a:tcPr>
+                </a:tc>
+                <a:tc>
+                  <a:txBody>
+                    <a:bodyPr/>
+                    <a:lstStyle/>
+                    <a:p>
+                      <a:pPr algn="ctr">
+                        <a:lnSpc>
+                          <a:spcPct val="115000"/>
+                        </a:lnSpc>
+                        <a:spcAft>
+                          <a:spcPts val="600"/>
+                        </a:spcAft>
+                      </a:pPr>
+                      <a:r>
+                        <a:rPr lang="ru-RU" sz="1400" dirty="0">
+                          <a:solidFill>
+                            <a:srgbClr val="000000"/>
+                          </a:solidFill>
+                          <a:effectLst/>
+                          <a:latin typeface="Times New Roman" panose="02020603050405020304" pitchFamily="18" charset="0"/>
+                          <a:ea typeface="Arial" panose="020B0604020202020204" pitchFamily="34" charset="0"/>
+                          <a:cs typeface="Times New Roman" panose="02020603050405020304" pitchFamily="18" charset="0"/>
+                        </a:rPr>
+                        <a:t>+</a:t>
+                      </a:r>
+                      <a:endParaRPr lang="ru-RU" sz="1400" dirty="0">
                         <a:effectLst/>
                         <a:latin typeface="Arial" panose="020B0604020202020204" pitchFamily="34" charset="0"/>
                         <a:ea typeface="Arial" panose="020B0604020202020204" pitchFamily="34" charset="0"/>
@@ -8584,42 +9251,7 @@
                         </a:spcAft>
                       </a:pPr>
                       <a:r>
-                        <a:rPr lang="ru-RU" sz="1400">
-                          <a:solidFill>
-                            <a:srgbClr val="000000"/>
-                          </a:solidFill>
-                          <a:effectLst/>
-                          <a:latin typeface="Times New Roman" panose="02020603050405020304" pitchFamily="18" charset="0"/>
-                          <a:ea typeface="Arial" panose="020B0604020202020204" pitchFamily="34" charset="0"/>
-                          <a:cs typeface="Times New Roman" panose="02020603050405020304" pitchFamily="18" charset="0"/>
-                        </a:rPr>
-                        <a:t>+</a:t>
-                      </a:r>
-                      <a:endParaRPr lang="ru-RU" sz="1400">
-                        <a:effectLst/>
-                        <a:latin typeface="Arial" panose="020B0604020202020204" pitchFamily="34" charset="0"/>
-                        <a:ea typeface="Arial" panose="020B0604020202020204" pitchFamily="34" charset="0"/>
-                        <a:cs typeface="Times New Roman" panose="02020603050405020304" pitchFamily="18" charset="0"/>
-                      </a:endParaRPr>
-                    </a:p>
-                  </a:txBody>
-                  <a:tcPr marL="68580" marR="68580" marT="0" marB="0"/>
-                </a:tc>
-                <a:tc>
-                  <a:txBody>
-                    <a:bodyPr/>
-                    <a:lstStyle/>
-                    <a:p>
-                      <a:pPr algn="ctr">
-                        <a:lnSpc>
-                          <a:spcPct val="115000"/>
-                        </a:lnSpc>
-                        <a:spcAft>
-                          <a:spcPts val="600"/>
-                        </a:spcAft>
-                      </a:pPr>
-                      <a:r>
-                        <a:rPr lang="ru-RU" sz="1400">
+                        <a:rPr lang="ru-RU" sz="1400" dirty="0">
                           <a:solidFill>
                             <a:srgbClr val="000000"/>
                           </a:solidFill>
@@ -8630,7 +9262,7 @@
                         </a:rPr>
                         <a:t>-</a:t>
                       </a:r>
-                      <a:endParaRPr lang="ru-RU" sz="1400">
+                      <a:endParaRPr lang="ru-RU" sz="1400" dirty="0">
                         <a:effectLst/>
                         <a:latin typeface="Arial" panose="020B0604020202020204" pitchFamily="34" charset="0"/>
                         <a:ea typeface="Arial" panose="020B0604020202020204" pitchFamily="34" charset="0"/>
@@ -8731,7 +9363,7 @@
                         </a:spcAft>
                       </a:pPr>
                       <a:r>
-                        <a:rPr lang="ru-RU" sz="1400">
+                        <a:rPr lang="ru-RU" sz="1400" dirty="0">
                           <a:solidFill>
                             <a:srgbClr val="000000"/>
                           </a:solidFill>
@@ -8742,7 +9374,46 @@
                         </a:rPr>
                         <a:t>+</a:t>
                       </a:r>
-                      <a:endParaRPr lang="ru-RU" sz="1400">
+                      <a:endParaRPr lang="ru-RU" sz="1400" dirty="0">
+                        <a:effectLst/>
+                        <a:latin typeface="Arial" panose="020B0604020202020204" pitchFamily="34" charset="0"/>
+                        <a:ea typeface="Arial" panose="020B0604020202020204" pitchFamily="34" charset="0"/>
+                        <a:cs typeface="Times New Roman" panose="02020603050405020304" pitchFamily="18" charset="0"/>
+                      </a:endParaRPr>
+                    </a:p>
+                  </a:txBody>
+                  <a:tcPr marL="68580" marR="68580" marT="0" marB="0">
+                    <a:solidFill>
+                      <a:srgbClr val="E7E7E7"/>
+                    </a:solidFill>
+                  </a:tcPr>
+                </a:tc>
+                <a:tc>
+                  <a:txBody>
+                    <a:bodyPr/>
+                    <a:lstStyle/>
+                    <a:p>
+                      <a:pPr algn="ctr">
+                        <a:lnSpc>
+                          <a:spcPct val="115000"/>
+                        </a:lnSpc>
+                        <a:spcAft>
+                          <a:spcPts val="600"/>
+                        </a:spcAft>
+                      </a:pPr>
+                      <a:r>
+                        <a:rPr lang="ru-RU" sz="1400" dirty="0">
+                          <a:solidFill>
+                            <a:srgbClr val="000000"/>
+                          </a:solidFill>
+                          <a:effectLst/>
+                          <a:latin typeface="Times New Roman" panose="02020603050405020304" pitchFamily="18" charset="0"/>
+                          <a:ea typeface="Arial" panose="020B0604020202020204" pitchFamily="34" charset="0"/>
+                          <a:cs typeface="Times New Roman" panose="02020603050405020304" pitchFamily="18" charset="0"/>
+                        </a:rPr>
+                        <a:t>+</a:t>
+                      </a:r>
+                      <a:endParaRPr lang="ru-RU" sz="1400" dirty="0">
                         <a:effectLst/>
                         <a:latin typeface="Arial" panose="020B0604020202020204" pitchFamily="34" charset="0"/>
                         <a:ea typeface="Arial" panose="020B0604020202020204" pitchFamily="34" charset="0"/>
@@ -8770,7 +9441,7 @@
                         </a:spcAft>
                       </a:pPr>
                       <a:r>
-                        <a:rPr lang="ru-RU" sz="1400">
+                        <a:rPr lang="ru-RU" sz="1400" dirty="0">
                           <a:solidFill>
                             <a:srgbClr val="000000"/>
                           </a:solidFill>
@@ -8779,9 +9450,9 @@
                           <a:ea typeface="Arial" panose="020B0604020202020204" pitchFamily="34" charset="0"/>
                           <a:cs typeface="Times New Roman" panose="02020603050405020304" pitchFamily="18" charset="0"/>
                         </a:rPr>
-                        <a:t>+</a:t>
+                        <a:t>-</a:t>
                       </a:r>
-                      <a:endParaRPr lang="ru-RU" sz="1400">
+                      <a:endParaRPr lang="ru-RU" sz="1400" dirty="0">
                         <a:effectLst/>
                         <a:latin typeface="Arial" panose="020B0604020202020204" pitchFamily="34" charset="0"/>
                         <a:ea typeface="Arial" panose="020B0604020202020204" pitchFamily="34" charset="0"/>
@@ -8805,42 +9476,7 @@
                         </a:spcAft>
                       </a:pPr>
                       <a:r>
-                        <a:rPr lang="ru-RU" sz="1400">
-                          <a:solidFill>
-                            <a:srgbClr val="000000"/>
-                          </a:solidFill>
-                          <a:effectLst/>
-                          <a:latin typeface="Times New Roman" panose="02020603050405020304" pitchFamily="18" charset="0"/>
-                          <a:ea typeface="Arial" panose="020B0604020202020204" pitchFamily="34" charset="0"/>
-                          <a:cs typeface="Times New Roman" panose="02020603050405020304" pitchFamily="18" charset="0"/>
-                        </a:rPr>
-                        <a:t>-</a:t>
-                      </a:r>
-                      <a:endParaRPr lang="ru-RU" sz="1400">
-                        <a:effectLst/>
-                        <a:latin typeface="Arial" panose="020B0604020202020204" pitchFamily="34" charset="0"/>
-                        <a:ea typeface="Arial" panose="020B0604020202020204" pitchFamily="34" charset="0"/>
-                        <a:cs typeface="Times New Roman" panose="02020603050405020304" pitchFamily="18" charset="0"/>
-                      </a:endParaRPr>
-                    </a:p>
-                  </a:txBody>
-                  <a:tcPr marL="68580" marR="68580" marT="0" marB="0"/>
-                </a:tc>
-                <a:tc>
-                  <a:txBody>
-                    <a:bodyPr/>
-                    <a:lstStyle/>
-                    <a:p>
-                      <a:pPr algn="ctr">
-                        <a:lnSpc>
-                          <a:spcPct val="115000"/>
-                        </a:lnSpc>
-                        <a:spcAft>
-                          <a:spcPts val="600"/>
-                        </a:spcAft>
-                      </a:pPr>
-                      <a:r>
-                        <a:rPr lang="ru-RU" sz="1400">
+                        <a:rPr lang="ru-RU" sz="1400" dirty="0">
                           <a:solidFill>
                             <a:srgbClr val="000000"/>
                           </a:solidFill>
@@ -8851,7 +9487,7 @@
                         </a:rPr>
                         <a:t>+</a:t>
                       </a:r>
-                      <a:endParaRPr lang="ru-RU" sz="1400">
+                      <a:endParaRPr lang="ru-RU" sz="1400" dirty="0">
                         <a:effectLst/>
                         <a:latin typeface="Arial" panose="020B0604020202020204" pitchFamily="34" charset="0"/>
                         <a:ea typeface="Arial" panose="020B0604020202020204" pitchFamily="34" charset="0"/>
@@ -8938,7 +9574,7 @@
                   </a:txBody>
                   <a:tcPr marL="68580" marR="68580" marT="0" marB="0">
                     <a:solidFill>
-                      <a:srgbClr val="0070C0"/>
+                      <a:srgbClr val="CBCBCB"/>
                     </a:solidFill>
                   </a:tcPr>
                 </a:tc>
@@ -8975,7 +9611,11 @@
                       </a:endParaRPr>
                     </a:p>
                   </a:txBody>
-                  <a:tcPr marL="68580" marR="68580" marT="0" marB="0"/>
+                  <a:tcPr marL="68580" marR="68580" marT="0" marB="0">
+                    <a:solidFill>
+                      <a:srgbClr val="0070C0"/>
+                    </a:solidFill>
+                  </a:tcPr>
                 </a:tc>
                 <a:tc>
                   <a:txBody>
@@ -15735,7 +16375,7 @@
           <p:nvPr>
             <p:extLst>
               <p:ext uri="{D42A27DB-BD31-4B8C-83A1-F6EECF244321}">
-                <p14:modId xmlns:p14="http://schemas.microsoft.com/office/powerpoint/2010/main" val="608228400"/>
+                <p14:modId xmlns:p14="http://schemas.microsoft.com/office/powerpoint/2010/main" val="737005954"/>
               </p:ext>
             </p:extLst>
           </p:nvPr>
@@ -15905,7 +16545,7 @@
                           <a:latin typeface="Times New Roman" pitchFamily="18" charset="0"/>
                           <a:cs typeface="Times New Roman" pitchFamily="18" charset="0"/>
                         </a:rPr>
-                        <a:t>Земскова К.В.</a:t>
+                        <a:t>Федотов А. А</a:t>
                       </a:r>
                     </a:p>
                   </a:txBody>
@@ -16249,7 +16889,7 @@
                           <a:latin typeface="Times New Roman" pitchFamily="18" charset="0"/>
                           <a:cs typeface="Times New Roman" pitchFamily="18" charset="0"/>
                         </a:rPr>
-                        <a:t>Федотова Е.Л.</a:t>
+                        <a:t>Касимов Р. А</a:t>
                       </a:r>
                     </a:p>
                   </a:txBody>
@@ -16928,4 +17568,47 @@
   <a:objectDefaults/>
   <a:extraClrSchemeLst/>
 </a:theme>
+</file>
+
+<file path=ppt/theme/themeOverride1.xml><?xml version="1.0" encoding="utf-8"?>
+<a:themeOverride xmlns:a="http://schemas.openxmlformats.org/drawingml/2006/main">
+  <a:clrScheme name="Стандартная">
+    <a:dk1>
+      <a:sysClr val="windowText" lastClr="000000"/>
+    </a:dk1>
+    <a:lt1>
+      <a:sysClr val="window" lastClr="FFFFFF"/>
+    </a:lt1>
+    <a:dk2>
+      <a:srgbClr val="1F497D"/>
+    </a:dk2>
+    <a:lt2>
+      <a:srgbClr val="EEECE1"/>
+    </a:lt2>
+    <a:accent1>
+      <a:srgbClr val="4F81BD"/>
+    </a:accent1>
+    <a:accent2>
+      <a:srgbClr val="C0504D"/>
+    </a:accent2>
+    <a:accent3>
+      <a:srgbClr val="9BBB59"/>
+    </a:accent3>
+    <a:accent4>
+      <a:srgbClr val="8064A2"/>
+    </a:accent4>
+    <a:accent5>
+      <a:srgbClr val="4BACC6"/>
+    </a:accent5>
+    <a:accent6>
+      <a:srgbClr val="F79646"/>
+    </a:accent6>
+    <a:hlink>
+      <a:srgbClr val="0000FF"/>
+    </a:hlink>
+    <a:folHlink>
+      <a:srgbClr val="800080"/>
+    </a:folHlink>
+  </a:clrScheme>
+</a:themeOverride>
 </file>